--- a/zyj/声子谱.pptx
+++ b/zyj/声子谱.pptx
@@ -11,6 +11,9 @@
     <p:sldId id="257" r:id="rId5"/>
     <p:sldId id="258" r:id="rId6"/>
     <p:sldId id="259" r:id="rId7"/>
+    <p:sldId id="262" r:id="rId8"/>
+    <p:sldId id="263" r:id="rId9"/>
+    <p:sldId id="264" r:id="rId10"/>
   </p:sldIdLst>
   <p:sldSz cx="12192000" cy="6858000"/>
   <p:notesSz cx="6858000" cy="9144000"/>
@@ -264,7 +267,7 @@
           <a:p>
             <a:fld id="{33F4C065-F663-4831-9C87-52E6E8662FCD}" type="datetimeFigureOut">
               <a:rPr lang="zh-CN" altLang="en-US" smtClean="0"/>
-              <a:t>2021/3/20</a:t>
+              <a:t>2021/4/10</a:t>
             </a:fld>
             <a:endParaRPr lang="zh-CN" altLang="en-US"/>
           </a:p>
@@ -462,7 +465,7 @@
           <a:p>
             <a:fld id="{33F4C065-F663-4831-9C87-52E6E8662FCD}" type="datetimeFigureOut">
               <a:rPr lang="zh-CN" altLang="en-US" smtClean="0"/>
-              <a:t>2021/3/20</a:t>
+              <a:t>2021/4/10</a:t>
             </a:fld>
             <a:endParaRPr lang="zh-CN" altLang="en-US"/>
           </a:p>
@@ -670,7 +673,7 @@
           <a:p>
             <a:fld id="{33F4C065-F663-4831-9C87-52E6E8662FCD}" type="datetimeFigureOut">
               <a:rPr lang="zh-CN" altLang="en-US" smtClean="0"/>
-              <a:t>2021/3/20</a:t>
+              <a:t>2021/4/10</a:t>
             </a:fld>
             <a:endParaRPr lang="zh-CN" altLang="en-US"/>
           </a:p>
@@ -868,7 +871,7 @@
           <a:p>
             <a:fld id="{33F4C065-F663-4831-9C87-52E6E8662FCD}" type="datetimeFigureOut">
               <a:rPr lang="zh-CN" altLang="en-US" smtClean="0"/>
-              <a:t>2021/3/20</a:t>
+              <a:t>2021/4/10</a:t>
             </a:fld>
             <a:endParaRPr lang="zh-CN" altLang="en-US"/>
           </a:p>
@@ -1143,7 +1146,7 @@
           <a:p>
             <a:fld id="{33F4C065-F663-4831-9C87-52E6E8662FCD}" type="datetimeFigureOut">
               <a:rPr lang="zh-CN" altLang="en-US" smtClean="0"/>
-              <a:t>2021/3/20</a:t>
+              <a:t>2021/4/10</a:t>
             </a:fld>
             <a:endParaRPr lang="zh-CN" altLang="en-US"/>
           </a:p>
@@ -1408,7 +1411,7 @@
           <a:p>
             <a:fld id="{33F4C065-F663-4831-9C87-52E6E8662FCD}" type="datetimeFigureOut">
               <a:rPr lang="zh-CN" altLang="en-US" smtClean="0"/>
-              <a:t>2021/3/20</a:t>
+              <a:t>2021/4/10</a:t>
             </a:fld>
             <a:endParaRPr lang="zh-CN" altLang="en-US"/>
           </a:p>
@@ -1820,7 +1823,7 @@
           <a:p>
             <a:fld id="{33F4C065-F663-4831-9C87-52E6E8662FCD}" type="datetimeFigureOut">
               <a:rPr lang="zh-CN" altLang="en-US" smtClean="0"/>
-              <a:t>2021/3/20</a:t>
+              <a:t>2021/4/10</a:t>
             </a:fld>
             <a:endParaRPr lang="zh-CN" altLang="en-US"/>
           </a:p>
@@ -1961,7 +1964,7 @@
           <a:p>
             <a:fld id="{33F4C065-F663-4831-9C87-52E6E8662FCD}" type="datetimeFigureOut">
               <a:rPr lang="zh-CN" altLang="en-US" smtClean="0"/>
-              <a:t>2021/3/20</a:t>
+              <a:t>2021/4/10</a:t>
             </a:fld>
             <a:endParaRPr lang="zh-CN" altLang="en-US"/>
           </a:p>
@@ -2074,7 +2077,7 @@
           <a:p>
             <a:fld id="{33F4C065-F663-4831-9C87-52E6E8662FCD}" type="datetimeFigureOut">
               <a:rPr lang="zh-CN" altLang="en-US" smtClean="0"/>
-              <a:t>2021/3/20</a:t>
+              <a:t>2021/4/10</a:t>
             </a:fld>
             <a:endParaRPr lang="zh-CN" altLang="en-US"/>
           </a:p>
@@ -2385,7 +2388,7 @@
           <a:p>
             <a:fld id="{33F4C065-F663-4831-9C87-52E6E8662FCD}" type="datetimeFigureOut">
               <a:rPr lang="zh-CN" altLang="en-US" smtClean="0"/>
-              <a:t>2021/3/20</a:t>
+              <a:t>2021/4/10</a:t>
             </a:fld>
             <a:endParaRPr lang="zh-CN" altLang="en-US"/>
           </a:p>
@@ -2673,7 +2676,7 @@
           <a:p>
             <a:fld id="{33F4C065-F663-4831-9C87-52E6E8662FCD}" type="datetimeFigureOut">
               <a:rPr lang="zh-CN" altLang="en-US" smtClean="0"/>
-              <a:t>2021/3/20</a:t>
+              <a:t>2021/4/10</a:t>
             </a:fld>
             <a:endParaRPr lang="zh-CN" altLang="en-US"/>
           </a:p>
@@ -2914,7 +2917,7 @@
           <a:p>
             <a:fld id="{33F4C065-F663-4831-9C87-52E6E8662FCD}" type="datetimeFigureOut">
               <a:rPr lang="zh-CN" altLang="en-US" smtClean="0"/>
-              <a:t>2021/3/20</a:t>
+              <a:t>2021/4/10</a:t>
             </a:fld>
             <a:endParaRPr lang="zh-CN" altLang="en-US"/>
           </a:p>
@@ -4280,6 +4283,378 @@
 </p:sld>
 </file>
 
+<file path=ppt/slides/slide7.xml><?xml version="1.0" encoding="utf-8"?>
+<p:sld xmlns:a="http://schemas.openxmlformats.org/drawingml/2006/main" xmlns:r="http://schemas.openxmlformats.org/officeDocument/2006/relationships" xmlns:p="http://schemas.openxmlformats.org/presentationml/2006/main">
+  <p:cSld>
+    <p:spTree>
+      <p:nvGrpSpPr>
+        <p:cNvPr id="1" name=""/>
+        <p:cNvGrpSpPr/>
+        <p:nvPr/>
+      </p:nvGrpSpPr>
+      <p:grpSpPr>
+        <a:xfrm>
+          <a:off x="0" y="0"/>
+          <a:ext cx="0" cy="0"/>
+          <a:chOff x="0" y="0"/>
+          <a:chExt cx="0" cy="0"/>
+        </a:xfrm>
+      </p:grpSpPr>
+      <p:sp>
+        <p:nvSpPr>
+          <p:cNvPr id="2" name="文本框 1">
+            <a:extLst>
+              <a:ext uri="{FF2B5EF4-FFF2-40B4-BE49-F238E27FC236}">
+                <a16:creationId xmlns:a16="http://schemas.microsoft.com/office/drawing/2014/main" id="{0172D586-0AB7-45E7-B70E-08370A07B73C}"/>
+              </a:ext>
+            </a:extLst>
+          </p:cNvPr>
+          <p:cNvSpPr txBox="1"/>
+          <p:nvPr/>
+        </p:nvSpPr>
+        <p:spPr>
+          <a:xfrm>
+            <a:off x="7456602" y="518474"/>
+            <a:ext cx="2469823" cy="369332"/>
+          </a:xfrm>
+          <a:prstGeom prst="rect">
+            <a:avLst/>
+          </a:prstGeom>
+          <a:noFill/>
+        </p:spPr>
+        <p:txBody>
+          <a:bodyPr wrap="square" rtlCol="0">
+            <a:spAutoFit/>
+          </a:bodyPr>
+          <a:lstStyle/>
+          <a:p>
+            <a:r>
+              <a:rPr lang="en-US" altLang="zh-CN" dirty="0"/>
+              <a:t>Cu(OH)2</a:t>
+            </a:r>
+            <a:endParaRPr lang="zh-CN" altLang="en-US" dirty="0"/>
+          </a:p>
+        </p:txBody>
+      </p:sp>
+      <p:pic>
+        <p:nvPicPr>
+          <p:cNvPr id="4" name="图片 3">
+            <a:extLst>
+              <a:ext uri="{FF2B5EF4-FFF2-40B4-BE49-F238E27FC236}">
+                <a16:creationId xmlns:a16="http://schemas.microsoft.com/office/drawing/2014/main" id="{1D904D87-8F1D-429F-9B66-C5E871715975}"/>
+              </a:ext>
+            </a:extLst>
+          </p:cNvPr>
+          <p:cNvPicPr>
+            <a:picLocks noChangeAspect="1"/>
+          </p:cNvPicPr>
+          <p:nvPr/>
+        </p:nvPicPr>
+        <p:blipFill>
+          <a:blip r:embed="rId2"/>
+          <a:stretch>
+            <a:fillRect/>
+          </a:stretch>
+        </p:blipFill>
+        <p:spPr>
+          <a:xfrm>
+            <a:off x="626386" y="703140"/>
+            <a:ext cx="5113463" cy="3817951"/>
+          </a:xfrm>
+          <a:prstGeom prst="rect">
+            <a:avLst/>
+          </a:prstGeom>
+        </p:spPr>
+      </p:pic>
+    </p:spTree>
+    <p:extLst>
+      <p:ext uri="{BB962C8B-B14F-4D97-AF65-F5344CB8AC3E}">
+        <p14:creationId xmlns:p14="http://schemas.microsoft.com/office/powerpoint/2010/main" val="2119297425"/>
+      </p:ext>
+    </p:extLst>
+  </p:cSld>
+  <p:clrMapOvr>
+    <a:masterClrMapping/>
+  </p:clrMapOvr>
+</p:sld>
+</file>
+
+<file path=ppt/slides/slide8.xml><?xml version="1.0" encoding="utf-8"?>
+<p:sld xmlns:a="http://schemas.openxmlformats.org/drawingml/2006/main" xmlns:r="http://schemas.openxmlformats.org/officeDocument/2006/relationships" xmlns:p="http://schemas.openxmlformats.org/presentationml/2006/main">
+  <p:cSld>
+    <p:spTree>
+      <p:nvGrpSpPr>
+        <p:cNvPr id="1" name=""/>
+        <p:cNvGrpSpPr/>
+        <p:nvPr/>
+      </p:nvGrpSpPr>
+      <p:grpSpPr>
+        <a:xfrm>
+          <a:off x="0" y="0"/>
+          <a:ext cx="0" cy="0"/>
+          <a:chOff x="0" y="0"/>
+          <a:chExt cx="0" cy="0"/>
+        </a:xfrm>
+      </p:grpSpPr>
+      <p:sp>
+        <p:nvSpPr>
+          <p:cNvPr id="2" name="文本框 1">
+            <a:extLst>
+              <a:ext uri="{FF2B5EF4-FFF2-40B4-BE49-F238E27FC236}">
+                <a16:creationId xmlns:a16="http://schemas.microsoft.com/office/drawing/2014/main" id="{CF8E6300-6742-457C-ADE9-DE9E5C7427CE}"/>
+              </a:ext>
+            </a:extLst>
+          </p:cNvPr>
+          <p:cNvSpPr txBox="1"/>
+          <p:nvPr/>
+        </p:nvSpPr>
+        <p:spPr>
+          <a:xfrm>
+            <a:off x="7202078" y="857839"/>
+            <a:ext cx="2460396" cy="369332"/>
+          </a:xfrm>
+          <a:prstGeom prst="rect">
+            <a:avLst/>
+          </a:prstGeom>
+          <a:noFill/>
+        </p:spPr>
+        <p:txBody>
+          <a:bodyPr wrap="square" rtlCol="0">
+            <a:spAutoFit/>
+          </a:bodyPr>
+          <a:lstStyle/>
+          <a:p>
+            <a:r>
+              <a:rPr lang="en-US" altLang="zh-CN" dirty="0"/>
+              <a:t>Rh(OH)2</a:t>
+            </a:r>
+            <a:endParaRPr lang="zh-CN" altLang="en-US" dirty="0"/>
+          </a:p>
+        </p:txBody>
+      </p:sp>
+      <p:pic>
+        <p:nvPicPr>
+          <p:cNvPr id="5" name="图片 4">
+            <a:extLst>
+              <a:ext uri="{FF2B5EF4-FFF2-40B4-BE49-F238E27FC236}">
+                <a16:creationId xmlns:a16="http://schemas.microsoft.com/office/drawing/2014/main" id="{82D8C851-1FE6-4B57-9D6B-4677030D1D73}"/>
+              </a:ext>
+            </a:extLst>
+          </p:cNvPr>
+          <p:cNvPicPr>
+            <a:picLocks noChangeAspect="1"/>
+          </p:cNvPicPr>
+          <p:nvPr/>
+        </p:nvPicPr>
+        <p:blipFill>
+          <a:blip r:embed="rId2">
+            <a:extLst>
+              <a:ext uri="{28A0092B-C50C-407E-A947-70E740481C1C}">
+                <a14:useLocalDpi xmlns:a14="http://schemas.microsoft.com/office/drawing/2010/main" val="0"/>
+              </a:ext>
+            </a:extLst>
+          </a:blip>
+          <a:stretch>
+            <a:fillRect/>
+          </a:stretch>
+        </p:blipFill>
+        <p:spPr>
+          <a:xfrm>
+            <a:off x="568455" y="779723"/>
+            <a:ext cx="6153150" cy="4638675"/>
+          </a:xfrm>
+          <a:prstGeom prst="rect">
+            <a:avLst/>
+          </a:prstGeom>
+        </p:spPr>
+      </p:pic>
+    </p:spTree>
+    <p:extLst>
+      <p:ext uri="{BB962C8B-B14F-4D97-AF65-F5344CB8AC3E}">
+        <p14:creationId xmlns:p14="http://schemas.microsoft.com/office/powerpoint/2010/main" val="2425086958"/>
+      </p:ext>
+    </p:extLst>
+  </p:cSld>
+  <p:clrMapOvr>
+    <a:masterClrMapping/>
+  </p:clrMapOvr>
+</p:sld>
+</file>
+
+<file path=ppt/slides/slide9.xml><?xml version="1.0" encoding="utf-8"?>
+<p:sld xmlns:a="http://schemas.openxmlformats.org/drawingml/2006/main" xmlns:r="http://schemas.openxmlformats.org/officeDocument/2006/relationships" xmlns:p="http://schemas.openxmlformats.org/presentationml/2006/main">
+  <p:cSld>
+    <p:spTree>
+      <p:nvGrpSpPr>
+        <p:cNvPr id="1" name=""/>
+        <p:cNvGrpSpPr/>
+        <p:nvPr/>
+      </p:nvGrpSpPr>
+      <p:grpSpPr>
+        <a:xfrm>
+          <a:off x="0" y="0"/>
+          <a:ext cx="0" cy="0"/>
+          <a:chOff x="0" y="0"/>
+          <a:chExt cx="0" cy="0"/>
+        </a:xfrm>
+      </p:grpSpPr>
+      <p:sp>
+        <p:nvSpPr>
+          <p:cNvPr id="2" name="文本框 1">
+            <a:extLst>
+              <a:ext uri="{FF2B5EF4-FFF2-40B4-BE49-F238E27FC236}">
+                <a16:creationId xmlns:a16="http://schemas.microsoft.com/office/drawing/2014/main" id="{391CCB28-AB8A-4E72-B8CC-555D222E8DF9}"/>
+              </a:ext>
+            </a:extLst>
+          </p:cNvPr>
+          <p:cNvSpPr txBox="1"/>
+          <p:nvPr/>
+        </p:nvSpPr>
+        <p:spPr>
+          <a:xfrm>
+            <a:off x="8201320" y="744718"/>
+            <a:ext cx="1847653" cy="369332"/>
+          </a:xfrm>
+          <a:prstGeom prst="rect">
+            <a:avLst/>
+          </a:prstGeom>
+          <a:noFill/>
+        </p:spPr>
+        <p:txBody>
+          <a:bodyPr wrap="square" rtlCol="0">
+            <a:spAutoFit/>
+          </a:bodyPr>
+          <a:lstStyle/>
+          <a:p>
+            <a:r>
+              <a:rPr lang="en-US" altLang="zh-CN" dirty="0"/>
+              <a:t>Ru(OH)2</a:t>
+            </a:r>
+            <a:endParaRPr lang="zh-CN" altLang="en-US" dirty="0"/>
+          </a:p>
+        </p:txBody>
+      </p:sp>
+      <p:pic>
+        <p:nvPicPr>
+          <p:cNvPr id="4" name="图片 3">
+            <a:extLst>
+              <a:ext uri="{FF2B5EF4-FFF2-40B4-BE49-F238E27FC236}">
+                <a16:creationId xmlns:a16="http://schemas.microsoft.com/office/drawing/2014/main" id="{B147746B-EEB2-42F2-ADDF-99A46CB7B4EE}"/>
+              </a:ext>
+            </a:extLst>
+          </p:cNvPr>
+          <p:cNvPicPr>
+            <a:picLocks noChangeAspect="1"/>
+          </p:cNvPicPr>
+          <p:nvPr/>
+        </p:nvPicPr>
+        <p:blipFill>
+          <a:blip r:embed="rId2">
+            <a:extLst>
+              <a:ext uri="{28A0092B-C50C-407E-A947-70E740481C1C}">
+                <a14:useLocalDpi xmlns:a14="http://schemas.microsoft.com/office/drawing/2010/main" val="0"/>
+              </a:ext>
+            </a:extLst>
+          </a:blip>
+          <a:stretch>
+            <a:fillRect/>
+          </a:stretch>
+        </p:blipFill>
+        <p:spPr>
+          <a:xfrm>
+            <a:off x="466479" y="744718"/>
+            <a:ext cx="6734175" cy="4600575"/>
+          </a:xfrm>
+          <a:prstGeom prst="rect">
+            <a:avLst/>
+          </a:prstGeom>
+        </p:spPr>
+      </p:pic>
+      <p:pic>
+        <p:nvPicPr>
+          <p:cNvPr id="6" name="图片 5">
+            <a:extLst>
+              <a:ext uri="{FF2B5EF4-FFF2-40B4-BE49-F238E27FC236}">
+                <a16:creationId xmlns:a16="http://schemas.microsoft.com/office/drawing/2014/main" id="{AA1434F3-1080-4E11-B0BC-405FE3C8F7E0}"/>
+              </a:ext>
+            </a:extLst>
+          </p:cNvPr>
+          <p:cNvPicPr>
+            <a:picLocks noChangeAspect="1"/>
+          </p:cNvPicPr>
+          <p:nvPr/>
+        </p:nvPicPr>
+        <p:blipFill>
+          <a:blip r:embed="rId3">
+            <a:extLst>
+              <a:ext uri="{28A0092B-C50C-407E-A947-70E740481C1C}">
+                <a14:useLocalDpi xmlns:a14="http://schemas.microsoft.com/office/drawing/2010/main" val="0"/>
+              </a:ext>
+            </a:extLst>
+          </a:blip>
+          <a:stretch>
+            <a:fillRect/>
+          </a:stretch>
+        </p:blipFill>
+        <p:spPr>
+          <a:xfrm>
+            <a:off x="7327475" y="1683180"/>
+            <a:ext cx="2099330" cy="2247300"/>
+          </a:xfrm>
+          <a:prstGeom prst="rect">
+            <a:avLst/>
+          </a:prstGeom>
+        </p:spPr>
+      </p:pic>
+      <p:pic>
+        <p:nvPicPr>
+          <p:cNvPr id="10" name="图片 9">
+            <a:extLst>
+              <a:ext uri="{FF2B5EF4-FFF2-40B4-BE49-F238E27FC236}">
+                <a16:creationId xmlns:a16="http://schemas.microsoft.com/office/drawing/2014/main" id="{9602DF2E-F988-4242-AB7D-776AFA892CEB}"/>
+              </a:ext>
+            </a:extLst>
+          </p:cNvPr>
+          <p:cNvPicPr>
+            <a:picLocks noChangeAspect="1"/>
+          </p:cNvPicPr>
+          <p:nvPr/>
+        </p:nvPicPr>
+        <p:blipFill>
+          <a:blip r:embed="rId4">
+            <a:extLst>
+              <a:ext uri="{28A0092B-C50C-407E-A947-70E740481C1C}">
+                <a14:useLocalDpi xmlns:a14="http://schemas.microsoft.com/office/drawing/2010/main" val="0"/>
+              </a:ext>
+            </a:extLst>
+          </a:blip>
+          <a:stretch>
+            <a:fillRect/>
+          </a:stretch>
+        </p:blipFill>
+        <p:spPr>
+          <a:xfrm>
+            <a:off x="7327475" y="4005803"/>
+            <a:ext cx="3576638" cy="2571750"/>
+          </a:xfrm>
+          <a:prstGeom prst="rect">
+            <a:avLst/>
+          </a:prstGeom>
+        </p:spPr>
+      </p:pic>
+    </p:spTree>
+    <p:extLst>
+      <p:ext uri="{BB962C8B-B14F-4D97-AF65-F5344CB8AC3E}">
+        <p14:creationId xmlns:p14="http://schemas.microsoft.com/office/powerpoint/2010/main" val="2095248732"/>
+      </p:ext>
+    </p:extLst>
+  </p:cSld>
+  <p:clrMapOvr>
+    <a:masterClrMapping/>
+  </p:clrMapOvr>
+</p:sld>
+</file>
+
 <file path=ppt/theme/theme1.xml><?xml version="1.0" encoding="utf-8"?>
 <a:theme xmlns:a="http://schemas.openxmlformats.org/drawingml/2006/main" name="Office 主题​​">
   <a:themeElements>

--- a/zyj/声子谱.pptx
+++ b/zyj/声子谱.pptx
@@ -267,7 +267,7 @@
           <a:p>
             <a:fld id="{33F4C065-F663-4831-9C87-52E6E8662FCD}" type="datetimeFigureOut">
               <a:rPr lang="zh-CN" altLang="en-US" smtClean="0"/>
-              <a:t>2021/4/10</a:t>
+              <a:t>2021/4/12</a:t>
             </a:fld>
             <a:endParaRPr lang="zh-CN" altLang="en-US"/>
           </a:p>
@@ -465,7 +465,7 @@
           <a:p>
             <a:fld id="{33F4C065-F663-4831-9C87-52E6E8662FCD}" type="datetimeFigureOut">
               <a:rPr lang="zh-CN" altLang="en-US" smtClean="0"/>
-              <a:t>2021/4/10</a:t>
+              <a:t>2021/4/12</a:t>
             </a:fld>
             <a:endParaRPr lang="zh-CN" altLang="en-US"/>
           </a:p>
@@ -673,7 +673,7 @@
           <a:p>
             <a:fld id="{33F4C065-F663-4831-9C87-52E6E8662FCD}" type="datetimeFigureOut">
               <a:rPr lang="zh-CN" altLang="en-US" smtClean="0"/>
-              <a:t>2021/4/10</a:t>
+              <a:t>2021/4/12</a:t>
             </a:fld>
             <a:endParaRPr lang="zh-CN" altLang="en-US"/>
           </a:p>
@@ -871,7 +871,7 @@
           <a:p>
             <a:fld id="{33F4C065-F663-4831-9C87-52E6E8662FCD}" type="datetimeFigureOut">
               <a:rPr lang="zh-CN" altLang="en-US" smtClean="0"/>
-              <a:t>2021/4/10</a:t>
+              <a:t>2021/4/12</a:t>
             </a:fld>
             <a:endParaRPr lang="zh-CN" altLang="en-US"/>
           </a:p>
@@ -1146,7 +1146,7 @@
           <a:p>
             <a:fld id="{33F4C065-F663-4831-9C87-52E6E8662FCD}" type="datetimeFigureOut">
               <a:rPr lang="zh-CN" altLang="en-US" smtClean="0"/>
-              <a:t>2021/4/10</a:t>
+              <a:t>2021/4/12</a:t>
             </a:fld>
             <a:endParaRPr lang="zh-CN" altLang="en-US"/>
           </a:p>
@@ -1411,7 +1411,7 @@
           <a:p>
             <a:fld id="{33F4C065-F663-4831-9C87-52E6E8662FCD}" type="datetimeFigureOut">
               <a:rPr lang="zh-CN" altLang="en-US" smtClean="0"/>
-              <a:t>2021/4/10</a:t>
+              <a:t>2021/4/12</a:t>
             </a:fld>
             <a:endParaRPr lang="zh-CN" altLang="en-US"/>
           </a:p>
@@ -1823,7 +1823,7 @@
           <a:p>
             <a:fld id="{33F4C065-F663-4831-9C87-52E6E8662FCD}" type="datetimeFigureOut">
               <a:rPr lang="zh-CN" altLang="en-US" smtClean="0"/>
-              <a:t>2021/4/10</a:t>
+              <a:t>2021/4/12</a:t>
             </a:fld>
             <a:endParaRPr lang="zh-CN" altLang="en-US"/>
           </a:p>
@@ -1964,7 +1964,7 @@
           <a:p>
             <a:fld id="{33F4C065-F663-4831-9C87-52E6E8662FCD}" type="datetimeFigureOut">
               <a:rPr lang="zh-CN" altLang="en-US" smtClean="0"/>
-              <a:t>2021/4/10</a:t>
+              <a:t>2021/4/12</a:t>
             </a:fld>
             <a:endParaRPr lang="zh-CN" altLang="en-US"/>
           </a:p>
@@ -2077,7 +2077,7 @@
           <a:p>
             <a:fld id="{33F4C065-F663-4831-9C87-52E6E8662FCD}" type="datetimeFigureOut">
               <a:rPr lang="zh-CN" altLang="en-US" smtClean="0"/>
-              <a:t>2021/4/10</a:t>
+              <a:t>2021/4/12</a:t>
             </a:fld>
             <a:endParaRPr lang="zh-CN" altLang="en-US"/>
           </a:p>
@@ -2388,7 +2388,7 @@
           <a:p>
             <a:fld id="{33F4C065-F663-4831-9C87-52E6E8662FCD}" type="datetimeFigureOut">
               <a:rPr lang="zh-CN" altLang="en-US" smtClean="0"/>
-              <a:t>2021/4/10</a:t>
+              <a:t>2021/4/12</a:t>
             </a:fld>
             <a:endParaRPr lang="zh-CN" altLang="en-US"/>
           </a:p>
@@ -2676,7 +2676,7 @@
           <a:p>
             <a:fld id="{33F4C065-F663-4831-9C87-52E6E8662FCD}" type="datetimeFigureOut">
               <a:rPr lang="zh-CN" altLang="en-US" smtClean="0"/>
-              <a:t>2021/4/10</a:t>
+              <a:t>2021/4/12</a:t>
             </a:fld>
             <a:endParaRPr lang="zh-CN" altLang="en-US"/>
           </a:p>
@@ -2917,7 +2917,7 @@
           <a:p>
             <a:fld id="{33F4C065-F663-4831-9C87-52E6E8662FCD}" type="datetimeFigureOut">
               <a:rPr lang="zh-CN" altLang="en-US" smtClean="0"/>
-              <a:t>2021/4/10</a:t>
+              <a:t>2021/4/12</a:t>
             </a:fld>
             <a:endParaRPr lang="zh-CN" altLang="en-US"/>
           </a:p>
@@ -4562,7 +4562,7 @@
         </p:blipFill>
         <p:spPr>
           <a:xfrm>
-            <a:off x="466479" y="744718"/>
+            <a:off x="183675" y="1300900"/>
             <a:ext cx="6734175" cy="4600575"/>
           </a:xfrm>
           <a:prstGeom prst="rect">
@@ -4572,10 +4572,10 @@
       </p:pic>
       <p:pic>
         <p:nvPicPr>
-          <p:cNvPr id="6" name="图片 5">
-            <a:extLst>
-              <a:ext uri="{FF2B5EF4-FFF2-40B4-BE49-F238E27FC236}">
-                <a16:creationId xmlns:a16="http://schemas.microsoft.com/office/drawing/2014/main" id="{AA1434F3-1080-4E11-B0BC-405FE3C8F7E0}"/>
+          <p:cNvPr id="5" name="图片 4">
+            <a:extLst>
+              <a:ext uri="{FF2B5EF4-FFF2-40B4-BE49-F238E27FC236}">
+                <a16:creationId xmlns:a16="http://schemas.microsoft.com/office/drawing/2014/main" id="{86C74918-5D21-4F90-AA5A-7B04073D6A50}"/>
               </a:ext>
             </a:extLst>
           </p:cNvPr>
@@ -4585,21 +4585,15 @@
           <p:nvPr/>
         </p:nvPicPr>
         <p:blipFill>
-          <a:blip r:embed="rId3">
-            <a:extLst>
-              <a:ext uri="{28A0092B-C50C-407E-A947-70E740481C1C}">
-                <a14:useLocalDpi xmlns:a14="http://schemas.microsoft.com/office/drawing/2010/main" val="0"/>
-              </a:ext>
-            </a:extLst>
-          </a:blip>
+          <a:blip r:embed="rId3"/>
           <a:stretch>
             <a:fillRect/>
           </a:stretch>
         </p:blipFill>
         <p:spPr>
           <a:xfrm>
-            <a:off x="7327475" y="1683180"/>
-            <a:ext cx="2099330" cy="2247300"/>
+            <a:off x="7078757" y="2103076"/>
+            <a:ext cx="2446232" cy="3726503"/>
           </a:xfrm>
           <a:prstGeom prst="rect">
             <a:avLst/>
@@ -4608,10 +4602,10 @@
       </p:pic>
       <p:pic>
         <p:nvPicPr>
-          <p:cNvPr id="10" name="图片 9">
-            <a:extLst>
-              <a:ext uri="{FF2B5EF4-FFF2-40B4-BE49-F238E27FC236}">
-                <a16:creationId xmlns:a16="http://schemas.microsoft.com/office/drawing/2014/main" id="{9602DF2E-F988-4242-AB7D-776AFA892CEB}"/>
+          <p:cNvPr id="8" name="图片 7">
+            <a:extLst>
+              <a:ext uri="{FF2B5EF4-FFF2-40B4-BE49-F238E27FC236}">
+                <a16:creationId xmlns:a16="http://schemas.microsoft.com/office/drawing/2014/main" id="{A1F0ABBD-5176-4E8C-A4F0-E0B6DD5017F0}"/>
               </a:ext>
             </a:extLst>
           </p:cNvPr>
@@ -4621,21 +4615,15 @@
           <p:nvPr/>
         </p:nvPicPr>
         <p:blipFill>
-          <a:blip r:embed="rId4">
-            <a:extLst>
-              <a:ext uri="{28A0092B-C50C-407E-A947-70E740481C1C}">
-                <a14:useLocalDpi xmlns:a14="http://schemas.microsoft.com/office/drawing/2010/main" val="0"/>
-              </a:ext>
-            </a:extLst>
-          </a:blip>
+          <a:blip r:embed="rId4"/>
           <a:stretch>
             <a:fillRect/>
           </a:stretch>
         </p:blipFill>
         <p:spPr>
           <a:xfrm>
-            <a:off x="7327475" y="4005803"/>
-            <a:ext cx="3576638" cy="2571750"/>
+            <a:off x="9565941" y="2062375"/>
+            <a:ext cx="2575783" cy="3939881"/>
           </a:xfrm>
           <a:prstGeom prst="rect">
             <a:avLst/>

--- a/zyj/声子谱.pptx
+++ b/zyj/声子谱.pptx
@@ -7,13 +7,16 @@
   <p:sldIdLst>
     <p:sldId id="256" r:id="rId2"/>
     <p:sldId id="260" r:id="rId3"/>
-    <p:sldId id="261" r:id="rId4"/>
-    <p:sldId id="257" r:id="rId5"/>
-    <p:sldId id="258" r:id="rId6"/>
-    <p:sldId id="259" r:id="rId7"/>
-    <p:sldId id="262" r:id="rId8"/>
-    <p:sldId id="263" r:id="rId9"/>
-    <p:sldId id="264" r:id="rId10"/>
+    <p:sldId id="267" r:id="rId4"/>
+    <p:sldId id="261" r:id="rId5"/>
+    <p:sldId id="257" r:id="rId6"/>
+    <p:sldId id="258" r:id="rId7"/>
+    <p:sldId id="259" r:id="rId8"/>
+    <p:sldId id="262" r:id="rId9"/>
+    <p:sldId id="263" r:id="rId10"/>
+    <p:sldId id="264" r:id="rId11"/>
+    <p:sldId id="265" r:id="rId12"/>
+    <p:sldId id="266" r:id="rId13"/>
   </p:sldIdLst>
   <p:sldSz cx="12192000" cy="6858000"/>
   <p:notesSz cx="6858000" cy="9144000"/>
@@ -267,7 +270,7 @@
           <a:p>
             <a:fld id="{33F4C065-F663-4831-9C87-52E6E8662FCD}" type="datetimeFigureOut">
               <a:rPr lang="zh-CN" altLang="en-US" smtClean="0"/>
-              <a:t>2021/4/12</a:t>
+              <a:t>2021/4/21</a:t>
             </a:fld>
             <a:endParaRPr lang="zh-CN" altLang="en-US"/>
           </a:p>
@@ -465,7 +468,7 @@
           <a:p>
             <a:fld id="{33F4C065-F663-4831-9C87-52E6E8662FCD}" type="datetimeFigureOut">
               <a:rPr lang="zh-CN" altLang="en-US" smtClean="0"/>
-              <a:t>2021/4/12</a:t>
+              <a:t>2021/4/21</a:t>
             </a:fld>
             <a:endParaRPr lang="zh-CN" altLang="en-US"/>
           </a:p>
@@ -673,7 +676,7 @@
           <a:p>
             <a:fld id="{33F4C065-F663-4831-9C87-52E6E8662FCD}" type="datetimeFigureOut">
               <a:rPr lang="zh-CN" altLang="en-US" smtClean="0"/>
-              <a:t>2021/4/12</a:t>
+              <a:t>2021/4/21</a:t>
             </a:fld>
             <a:endParaRPr lang="zh-CN" altLang="en-US"/>
           </a:p>
@@ -871,7 +874,7 @@
           <a:p>
             <a:fld id="{33F4C065-F663-4831-9C87-52E6E8662FCD}" type="datetimeFigureOut">
               <a:rPr lang="zh-CN" altLang="en-US" smtClean="0"/>
-              <a:t>2021/4/12</a:t>
+              <a:t>2021/4/21</a:t>
             </a:fld>
             <a:endParaRPr lang="zh-CN" altLang="en-US"/>
           </a:p>
@@ -1146,7 +1149,7 @@
           <a:p>
             <a:fld id="{33F4C065-F663-4831-9C87-52E6E8662FCD}" type="datetimeFigureOut">
               <a:rPr lang="zh-CN" altLang="en-US" smtClean="0"/>
-              <a:t>2021/4/12</a:t>
+              <a:t>2021/4/21</a:t>
             </a:fld>
             <a:endParaRPr lang="zh-CN" altLang="en-US"/>
           </a:p>
@@ -1411,7 +1414,7 @@
           <a:p>
             <a:fld id="{33F4C065-F663-4831-9C87-52E6E8662FCD}" type="datetimeFigureOut">
               <a:rPr lang="zh-CN" altLang="en-US" smtClean="0"/>
-              <a:t>2021/4/12</a:t>
+              <a:t>2021/4/21</a:t>
             </a:fld>
             <a:endParaRPr lang="zh-CN" altLang="en-US"/>
           </a:p>
@@ -1823,7 +1826,7 @@
           <a:p>
             <a:fld id="{33F4C065-F663-4831-9C87-52E6E8662FCD}" type="datetimeFigureOut">
               <a:rPr lang="zh-CN" altLang="en-US" smtClean="0"/>
-              <a:t>2021/4/12</a:t>
+              <a:t>2021/4/21</a:t>
             </a:fld>
             <a:endParaRPr lang="zh-CN" altLang="en-US"/>
           </a:p>
@@ -1964,7 +1967,7 @@
           <a:p>
             <a:fld id="{33F4C065-F663-4831-9C87-52E6E8662FCD}" type="datetimeFigureOut">
               <a:rPr lang="zh-CN" altLang="en-US" smtClean="0"/>
-              <a:t>2021/4/12</a:t>
+              <a:t>2021/4/21</a:t>
             </a:fld>
             <a:endParaRPr lang="zh-CN" altLang="en-US"/>
           </a:p>
@@ -2077,7 +2080,7 @@
           <a:p>
             <a:fld id="{33F4C065-F663-4831-9C87-52E6E8662FCD}" type="datetimeFigureOut">
               <a:rPr lang="zh-CN" altLang="en-US" smtClean="0"/>
-              <a:t>2021/4/12</a:t>
+              <a:t>2021/4/21</a:t>
             </a:fld>
             <a:endParaRPr lang="zh-CN" altLang="en-US"/>
           </a:p>
@@ -2388,7 +2391,7 @@
           <a:p>
             <a:fld id="{33F4C065-F663-4831-9C87-52E6E8662FCD}" type="datetimeFigureOut">
               <a:rPr lang="zh-CN" altLang="en-US" smtClean="0"/>
-              <a:t>2021/4/12</a:t>
+              <a:t>2021/4/21</a:t>
             </a:fld>
             <a:endParaRPr lang="zh-CN" altLang="en-US"/>
           </a:p>
@@ -2676,7 +2679,7 @@
           <a:p>
             <a:fld id="{33F4C065-F663-4831-9C87-52E6E8662FCD}" type="datetimeFigureOut">
               <a:rPr lang="zh-CN" altLang="en-US" smtClean="0"/>
-              <a:t>2021/4/12</a:t>
+              <a:t>2021/4/21</a:t>
             </a:fld>
             <a:endParaRPr lang="zh-CN" altLang="en-US"/>
           </a:p>
@@ -2917,7 +2920,7 @@
           <a:p>
             <a:fld id="{33F4C065-F663-4831-9C87-52E6E8662FCD}" type="datetimeFigureOut">
               <a:rPr lang="zh-CN" altLang="en-US" smtClean="0"/>
-              <a:t>2021/4/12</a:t>
+              <a:t>2021/4/21</a:t>
             </a:fld>
             <a:endParaRPr lang="zh-CN" altLang="en-US"/>
           </a:p>
@@ -3334,12 +3337,48 @@
           <a:chExt cx="0" cy="0"/>
         </a:xfrm>
       </p:grpSpPr>
+      <p:sp>
+        <p:nvSpPr>
+          <p:cNvPr id="10" name="文本框 9">
+            <a:extLst>
+              <a:ext uri="{FF2B5EF4-FFF2-40B4-BE49-F238E27FC236}">
+                <a16:creationId xmlns:a16="http://schemas.microsoft.com/office/drawing/2014/main" id="{5E0D8CAB-4366-4ED4-A80D-9DC4DE003E3E}"/>
+              </a:ext>
+            </a:extLst>
+          </p:cNvPr>
+          <p:cNvSpPr txBox="1"/>
+          <p:nvPr/>
+        </p:nvSpPr>
+        <p:spPr>
+          <a:xfrm>
+            <a:off x="7400041" y="537328"/>
+            <a:ext cx="2300140" cy="369332"/>
+          </a:xfrm>
+          <a:prstGeom prst="rect">
+            <a:avLst/>
+          </a:prstGeom>
+          <a:noFill/>
+        </p:spPr>
+        <p:txBody>
+          <a:bodyPr wrap="square" rtlCol="0">
+            <a:spAutoFit/>
+          </a:bodyPr>
+          <a:lstStyle/>
+          <a:p>
+            <a:r>
+              <a:rPr lang="en-US" altLang="zh-CN" dirty="0"/>
+              <a:t>Co(OH)2</a:t>
+            </a:r>
+            <a:endParaRPr lang="zh-CN" altLang="en-US" dirty="0"/>
+          </a:p>
+        </p:txBody>
+      </p:sp>
       <p:pic>
         <p:nvPicPr>
-          <p:cNvPr id="5" name="图片 4">
-            <a:extLst>
-              <a:ext uri="{FF2B5EF4-FFF2-40B4-BE49-F238E27FC236}">
-                <a16:creationId xmlns:a16="http://schemas.microsoft.com/office/drawing/2014/main" id="{153BA899-F09E-46A4-89AA-EB16BE72ECC3}"/>
+          <p:cNvPr id="4" name="图片 3">
+            <a:extLst>
+              <a:ext uri="{FF2B5EF4-FFF2-40B4-BE49-F238E27FC236}">
+                <a16:creationId xmlns:a16="http://schemas.microsoft.com/office/drawing/2014/main" id="{6A461FB4-BC91-4DCC-861E-A1F06E105729}"/>
               </a:ext>
             </a:extLst>
           </p:cNvPr>
@@ -3356,8 +3395,8 @@
         </p:blipFill>
         <p:spPr>
           <a:xfrm>
-            <a:off x="358221" y="954544"/>
-            <a:ext cx="6636468" cy="4632417"/>
+            <a:off x="681371" y="1711076"/>
+            <a:ext cx="5342857" cy="3666667"/>
           </a:xfrm>
           <a:prstGeom prst="rect">
             <a:avLst/>
@@ -3366,10 +3405,10 @@
       </p:pic>
       <p:pic>
         <p:nvPicPr>
-          <p:cNvPr id="9" name="图片 8">
-            <a:extLst>
-              <a:ext uri="{FF2B5EF4-FFF2-40B4-BE49-F238E27FC236}">
-                <a16:creationId xmlns:a16="http://schemas.microsoft.com/office/drawing/2014/main" id="{4C665FE1-8778-4E97-B562-D0501CA7645B}"/>
+          <p:cNvPr id="8" name="图片 7">
+            <a:extLst>
+              <a:ext uri="{FF2B5EF4-FFF2-40B4-BE49-F238E27FC236}">
+                <a16:creationId xmlns:a16="http://schemas.microsoft.com/office/drawing/2014/main" id="{E7488FB9-C9AA-45AF-9148-840223485F64}"/>
               </a:ext>
             </a:extLst>
           </p:cNvPr>
@@ -3386,8 +3425,8 @@
         </p:blipFill>
         <p:spPr>
           <a:xfrm>
-            <a:off x="9465829" y="1609919"/>
-            <a:ext cx="2726171" cy="3610467"/>
+            <a:off x="6588206" y="1625600"/>
+            <a:ext cx="1961905" cy="3961905"/>
           </a:xfrm>
           <a:prstGeom prst="rect">
             <a:avLst/>
@@ -3396,10 +3435,10 @@
       </p:pic>
       <p:pic>
         <p:nvPicPr>
-          <p:cNvPr id="7" name="图片 6">
-            <a:extLst>
-              <a:ext uri="{FF2B5EF4-FFF2-40B4-BE49-F238E27FC236}">
-                <a16:creationId xmlns:a16="http://schemas.microsoft.com/office/drawing/2014/main" id="{2996E517-7EB8-43A5-8C3D-424B241FF377}"/>
+          <p:cNvPr id="12" name="图片 11">
+            <a:extLst>
+              <a:ext uri="{FF2B5EF4-FFF2-40B4-BE49-F238E27FC236}">
+                <a16:creationId xmlns:a16="http://schemas.microsoft.com/office/drawing/2014/main" id="{C6FAF6A1-837B-47BD-B5ED-99BD2862964C}"/>
               </a:ext>
             </a:extLst>
           </p:cNvPr>
@@ -3416,8 +3455,8 @@
         </p:blipFill>
         <p:spPr>
           <a:xfrm>
-            <a:off x="6919275" y="1637614"/>
-            <a:ext cx="2546554" cy="3582772"/>
+            <a:off x="9036871" y="1649171"/>
+            <a:ext cx="2285714" cy="3790476"/>
           </a:xfrm>
           <a:prstGeom prst="rect">
             <a:avLst/>
@@ -3426,10 +3465,10 @@
       </p:pic>
       <p:sp>
         <p:nvSpPr>
-          <p:cNvPr id="10" name="文本框 9">
-            <a:extLst>
-              <a:ext uri="{FF2B5EF4-FFF2-40B4-BE49-F238E27FC236}">
-                <a16:creationId xmlns:a16="http://schemas.microsoft.com/office/drawing/2014/main" id="{5E0D8CAB-4366-4ED4-A80D-9DC4DE003E3E}"/>
+          <p:cNvPr id="13" name="文本框 12">
+            <a:extLst>
+              <a:ext uri="{FF2B5EF4-FFF2-40B4-BE49-F238E27FC236}">
+                <a16:creationId xmlns:a16="http://schemas.microsoft.com/office/drawing/2014/main" id="{00A10578-16B7-4F20-94C1-7D0F2726E637}"/>
               </a:ext>
             </a:extLst>
           </p:cNvPr>
@@ -3438,8 +3477,8 @@
         </p:nvSpPr>
         <p:spPr>
           <a:xfrm>
-            <a:off x="7400041" y="537328"/>
-            <a:ext cx="2300140" cy="369332"/>
+            <a:off x="7332955" y="1056443"/>
+            <a:ext cx="692459" cy="369332"/>
           </a:xfrm>
           <a:prstGeom prst="rect">
             <a:avLst/>
@@ -3454,7 +3493,73 @@
           <a:p>
             <a:r>
               <a:rPr lang="en-US" altLang="zh-CN" dirty="0"/>
-              <a:t>Co(OH)2</a:t>
+              <a:t>441</a:t>
+            </a:r>
+            <a:endParaRPr lang="zh-CN" altLang="en-US" dirty="0"/>
+          </a:p>
+        </p:txBody>
+      </p:sp>
+    </p:spTree>
+    <p:extLst>
+      <p:ext uri="{BB962C8B-B14F-4D97-AF65-F5344CB8AC3E}">
+        <p14:creationId xmlns:p14="http://schemas.microsoft.com/office/powerpoint/2010/main" val="3460511095"/>
+      </p:ext>
+    </p:extLst>
+  </p:cSld>
+  <p:clrMapOvr>
+    <a:masterClrMapping/>
+  </p:clrMapOvr>
+</p:sld>
+</file>
+
+<file path=ppt/slides/slide10.xml><?xml version="1.0" encoding="utf-8"?>
+<p:sld xmlns:a="http://schemas.openxmlformats.org/drawingml/2006/main" xmlns:r="http://schemas.openxmlformats.org/officeDocument/2006/relationships" xmlns:p="http://schemas.openxmlformats.org/presentationml/2006/main">
+  <p:cSld>
+    <p:spTree>
+      <p:nvGrpSpPr>
+        <p:cNvPr id="1" name=""/>
+        <p:cNvGrpSpPr/>
+        <p:nvPr/>
+      </p:nvGrpSpPr>
+      <p:grpSpPr>
+        <a:xfrm>
+          <a:off x="0" y="0"/>
+          <a:ext cx="0" cy="0"/>
+          <a:chOff x="0" y="0"/>
+          <a:chExt cx="0" cy="0"/>
+        </a:xfrm>
+      </p:grpSpPr>
+      <p:sp>
+        <p:nvSpPr>
+          <p:cNvPr id="2" name="文本框 1">
+            <a:extLst>
+              <a:ext uri="{FF2B5EF4-FFF2-40B4-BE49-F238E27FC236}">
+                <a16:creationId xmlns:a16="http://schemas.microsoft.com/office/drawing/2014/main" id="{391CCB28-AB8A-4E72-B8CC-555D222E8DF9}"/>
+              </a:ext>
+            </a:extLst>
+          </p:cNvPr>
+          <p:cNvSpPr txBox="1"/>
+          <p:nvPr/>
+        </p:nvSpPr>
+        <p:spPr>
+          <a:xfrm>
+            <a:off x="8201320" y="744718"/>
+            <a:ext cx="1847653" cy="369332"/>
+          </a:xfrm>
+          <a:prstGeom prst="rect">
+            <a:avLst/>
+          </a:prstGeom>
+          <a:noFill/>
+        </p:spPr>
+        <p:txBody>
+          <a:bodyPr wrap="square" rtlCol="0">
+            <a:spAutoFit/>
+          </a:bodyPr>
+          <a:lstStyle/>
+          <a:p>
+            <a:r>
+              <a:rPr lang="en-US" altLang="zh-CN" dirty="0"/>
+              <a:t>Ru(OH)2</a:t>
             </a:r>
             <a:endParaRPr lang="zh-CN" altLang="en-US" dirty="0"/>
           </a:p>
@@ -3462,10 +3567,10 @@
       </p:sp>
       <p:pic>
         <p:nvPicPr>
-          <p:cNvPr id="3" name="图片 2">
-            <a:extLst>
-              <a:ext uri="{FF2B5EF4-FFF2-40B4-BE49-F238E27FC236}">
-                <a16:creationId xmlns:a16="http://schemas.microsoft.com/office/drawing/2014/main" id="{982BC0E0-6360-43B4-9C38-5F3E0903BD89}"/>
+          <p:cNvPr id="4" name="图片 3">
+            <a:extLst>
+              <a:ext uri="{FF2B5EF4-FFF2-40B4-BE49-F238E27FC236}">
+                <a16:creationId xmlns:a16="http://schemas.microsoft.com/office/drawing/2014/main" id="{B147746B-EEB2-42F2-ADDF-99A46CB7B4EE}"/>
               </a:ext>
             </a:extLst>
           </p:cNvPr>
@@ -3475,15 +3580,81 @@
           <p:nvPr/>
         </p:nvPicPr>
         <p:blipFill>
-          <a:blip r:embed="rId5"/>
+          <a:blip r:embed="rId2">
+            <a:extLst>
+              <a:ext uri="{28A0092B-C50C-407E-A947-70E740481C1C}">
+                <a14:useLocalDpi xmlns:a14="http://schemas.microsoft.com/office/drawing/2010/main" val="0"/>
+              </a:ext>
+            </a:extLst>
+          </a:blip>
           <a:stretch>
             <a:fillRect/>
           </a:stretch>
         </p:blipFill>
         <p:spPr>
           <a:xfrm>
-            <a:off x="7400041" y="959375"/>
-            <a:ext cx="4290432" cy="678239"/>
+            <a:off x="183675" y="1300900"/>
+            <a:ext cx="6734175" cy="4600575"/>
+          </a:xfrm>
+          <a:prstGeom prst="rect">
+            <a:avLst/>
+          </a:prstGeom>
+        </p:spPr>
+      </p:pic>
+      <p:pic>
+        <p:nvPicPr>
+          <p:cNvPr id="5" name="图片 4">
+            <a:extLst>
+              <a:ext uri="{FF2B5EF4-FFF2-40B4-BE49-F238E27FC236}">
+                <a16:creationId xmlns:a16="http://schemas.microsoft.com/office/drawing/2014/main" id="{86C74918-5D21-4F90-AA5A-7B04073D6A50}"/>
+              </a:ext>
+            </a:extLst>
+          </p:cNvPr>
+          <p:cNvPicPr>
+            <a:picLocks noChangeAspect="1"/>
+          </p:cNvPicPr>
+          <p:nvPr/>
+        </p:nvPicPr>
+        <p:blipFill>
+          <a:blip r:embed="rId3"/>
+          <a:stretch>
+            <a:fillRect/>
+          </a:stretch>
+        </p:blipFill>
+        <p:spPr>
+          <a:xfrm>
+            <a:off x="7078757" y="2103076"/>
+            <a:ext cx="2446232" cy="3726503"/>
+          </a:xfrm>
+          <a:prstGeom prst="rect">
+            <a:avLst/>
+          </a:prstGeom>
+        </p:spPr>
+      </p:pic>
+      <p:pic>
+        <p:nvPicPr>
+          <p:cNvPr id="8" name="图片 7">
+            <a:extLst>
+              <a:ext uri="{FF2B5EF4-FFF2-40B4-BE49-F238E27FC236}">
+                <a16:creationId xmlns:a16="http://schemas.microsoft.com/office/drawing/2014/main" id="{A1F0ABBD-5176-4E8C-A4F0-E0B6DD5017F0}"/>
+              </a:ext>
+            </a:extLst>
+          </p:cNvPr>
+          <p:cNvPicPr>
+            <a:picLocks noChangeAspect="1"/>
+          </p:cNvPicPr>
+          <p:nvPr/>
+        </p:nvPicPr>
+        <p:blipFill>
+          <a:blip r:embed="rId4"/>
+          <a:stretch>
+            <a:fillRect/>
+          </a:stretch>
+        </p:blipFill>
+        <p:spPr>
+          <a:xfrm>
+            <a:off x="9565941" y="2062375"/>
+            <a:ext cx="2575783" cy="3939881"/>
           </a:xfrm>
           <a:prstGeom prst="rect">
             <a:avLst/>
@@ -3493,7 +3664,319 @@
     </p:spTree>
     <p:extLst>
       <p:ext uri="{BB962C8B-B14F-4D97-AF65-F5344CB8AC3E}">
-        <p14:creationId xmlns:p14="http://schemas.microsoft.com/office/powerpoint/2010/main" val="3460511095"/>
+        <p14:creationId xmlns:p14="http://schemas.microsoft.com/office/powerpoint/2010/main" val="2095248732"/>
+      </p:ext>
+    </p:extLst>
+  </p:cSld>
+  <p:clrMapOvr>
+    <a:masterClrMapping/>
+  </p:clrMapOvr>
+</p:sld>
+</file>
+
+<file path=ppt/slides/slide11.xml><?xml version="1.0" encoding="utf-8"?>
+<p:sld xmlns:a="http://schemas.openxmlformats.org/drawingml/2006/main" xmlns:r="http://schemas.openxmlformats.org/officeDocument/2006/relationships" xmlns:p="http://schemas.openxmlformats.org/presentationml/2006/main">
+  <p:cSld>
+    <p:spTree>
+      <p:nvGrpSpPr>
+        <p:cNvPr id="1" name=""/>
+        <p:cNvGrpSpPr/>
+        <p:nvPr/>
+      </p:nvGrpSpPr>
+      <p:grpSpPr>
+        <a:xfrm>
+          <a:off x="0" y="0"/>
+          <a:ext cx="0" cy="0"/>
+          <a:chOff x="0" y="0"/>
+          <a:chExt cx="0" cy="0"/>
+        </a:xfrm>
+      </p:grpSpPr>
+      <p:sp>
+        <p:nvSpPr>
+          <p:cNvPr id="2" name="文本框 1">
+            <a:extLst>
+              <a:ext uri="{FF2B5EF4-FFF2-40B4-BE49-F238E27FC236}">
+                <a16:creationId xmlns:a16="http://schemas.microsoft.com/office/drawing/2014/main" id="{BC469EC7-9B0B-4CA0-B741-E651AE649603}"/>
+              </a:ext>
+            </a:extLst>
+          </p:cNvPr>
+          <p:cNvSpPr txBox="1"/>
+          <p:nvPr/>
+        </p:nvSpPr>
+        <p:spPr>
+          <a:xfrm>
+            <a:off x="8939814" y="435006"/>
+            <a:ext cx="1535836" cy="369332"/>
+          </a:xfrm>
+          <a:prstGeom prst="rect">
+            <a:avLst/>
+          </a:prstGeom>
+          <a:noFill/>
+        </p:spPr>
+        <p:txBody>
+          <a:bodyPr wrap="square" rtlCol="0">
+            <a:spAutoFit/>
+          </a:bodyPr>
+          <a:lstStyle/>
+          <a:p>
+            <a:r>
+              <a:rPr lang="en-US" altLang="zh-CN" dirty="0"/>
+              <a:t>PdOH2</a:t>
+            </a:r>
+            <a:endParaRPr lang="zh-CN" altLang="en-US" dirty="0"/>
+          </a:p>
+        </p:txBody>
+      </p:sp>
+      <p:pic>
+        <p:nvPicPr>
+          <p:cNvPr id="4" name="图片 3">
+            <a:extLst>
+              <a:ext uri="{FF2B5EF4-FFF2-40B4-BE49-F238E27FC236}">
+                <a16:creationId xmlns:a16="http://schemas.microsoft.com/office/drawing/2014/main" id="{F6E772D9-30D0-4942-A107-D93FB91FE77B}"/>
+              </a:ext>
+            </a:extLst>
+          </p:cNvPr>
+          <p:cNvPicPr>
+            <a:picLocks noChangeAspect="1"/>
+          </p:cNvPicPr>
+          <p:nvPr/>
+        </p:nvPicPr>
+        <p:blipFill>
+          <a:blip r:embed="rId2"/>
+          <a:stretch>
+            <a:fillRect/>
+          </a:stretch>
+        </p:blipFill>
+        <p:spPr>
+          <a:xfrm>
+            <a:off x="615112" y="1576619"/>
+            <a:ext cx="5333333" cy="3704762"/>
+          </a:xfrm>
+          <a:prstGeom prst="rect">
+            <a:avLst/>
+          </a:prstGeom>
+        </p:spPr>
+      </p:pic>
+      <p:pic>
+        <p:nvPicPr>
+          <p:cNvPr id="6" name="图片 5">
+            <a:extLst>
+              <a:ext uri="{FF2B5EF4-FFF2-40B4-BE49-F238E27FC236}">
+                <a16:creationId xmlns:a16="http://schemas.microsoft.com/office/drawing/2014/main" id="{CA7EE12C-4178-4141-A302-052765F1E525}"/>
+              </a:ext>
+            </a:extLst>
+          </p:cNvPr>
+          <p:cNvPicPr>
+            <a:picLocks noChangeAspect="1"/>
+          </p:cNvPicPr>
+          <p:nvPr/>
+        </p:nvPicPr>
+        <p:blipFill>
+          <a:blip r:embed="rId3"/>
+          <a:stretch>
+            <a:fillRect/>
+          </a:stretch>
+        </p:blipFill>
+        <p:spPr>
+          <a:xfrm>
+            <a:off x="6348565" y="1270087"/>
+            <a:ext cx="1714286" cy="4104762"/>
+          </a:xfrm>
+          <a:prstGeom prst="rect">
+            <a:avLst/>
+          </a:prstGeom>
+        </p:spPr>
+      </p:pic>
+      <p:pic>
+        <p:nvPicPr>
+          <p:cNvPr id="8" name="图片 7">
+            <a:extLst>
+              <a:ext uri="{FF2B5EF4-FFF2-40B4-BE49-F238E27FC236}">
+                <a16:creationId xmlns:a16="http://schemas.microsoft.com/office/drawing/2014/main" id="{8AEE97E6-7607-4661-9D5D-76F121BC44FE}"/>
+              </a:ext>
+            </a:extLst>
+          </p:cNvPr>
+          <p:cNvPicPr>
+            <a:picLocks noChangeAspect="1"/>
+          </p:cNvPicPr>
+          <p:nvPr/>
+        </p:nvPicPr>
+        <p:blipFill>
+          <a:blip r:embed="rId4"/>
+          <a:stretch>
+            <a:fillRect/>
+          </a:stretch>
+        </p:blipFill>
+        <p:spPr>
+          <a:xfrm>
+            <a:off x="8650589" y="1441516"/>
+            <a:ext cx="2114286" cy="3933333"/>
+          </a:xfrm>
+          <a:prstGeom prst="rect">
+            <a:avLst/>
+          </a:prstGeom>
+        </p:spPr>
+      </p:pic>
+    </p:spTree>
+    <p:extLst>
+      <p:ext uri="{BB962C8B-B14F-4D97-AF65-F5344CB8AC3E}">
+        <p14:creationId xmlns:p14="http://schemas.microsoft.com/office/powerpoint/2010/main" val="2406134314"/>
+      </p:ext>
+    </p:extLst>
+  </p:cSld>
+  <p:clrMapOvr>
+    <a:masterClrMapping/>
+  </p:clrMapOvr>
+</p:sld>
+</file>
+
+<file path=ppt/slides/slide12.xml><?xml version="1.0" encoding="utf-8"?>
+<p:sld xmlns:a="http://schemas.openxmlformats.org/drawingml/2006/main" xmlns:r="http://schemas.openxmlformats.org/officeDocument/2006/relationships" xmlns:p="http://schemas.openxmlformats.org/presentationml/2006/main">
+  <p:cSld>
+    <p:spTree>
+      <p:nvGrpSpPr>
+        <p:cNvPr id="1" name=""/>
+        <p:cNvGrpSpPr/>
+        <p:nvPr/>
+      </p:nvGrpSpPr>
+      <p:grpSpPr>
+        <a:xfrm>
+          <a:off x="0" y="0"/>
+          <a:ext cx="0" cy="0"/>
+          <a:chOff x="0" y="0"/>
+          <a:chExt cx="0" cy="0"/>
+        </a:xfrm>
+      </p:grpSpPr>
+      <p:pic>
+        <p:nvPicPr>
+          <p:cNvPr id="3" name="图片 2">
+            <a:extLst>
+              <a:ext uri="{FF2B5EF4-FFF2-40B4-BE49-F238E27FC236}">
+                <a16:creationId xmlns:a16="http://schemas.microsoft.com/office/drawing/2014/main" id="{367C9251-518E-478F-A967-E2EC37F4DFF4}"/>
+              </a:ext>
+            </a:extLst>
+          </p:cNvPr>
+          <p:cNvPicPr>
+            <a:picLocks noChangeAspect="1"/>
+          </p:cNvPicPr>
+          <p:nvPr/>
+        </p:nvPicPr>
+        <p:blipFill>
+          <a:blip r:embed="rId2"/>
+          <a:stretch>
+            <a:fillRect/>
+          </a:stretch>
+        </p:blipFill>
+        <p:spPr>
+          <a:xfrm>
+            <a:off x="417865" y="2014209"/>
+            <a:ext cx="5390476" cy="3628571"/>
+          </a:xfrm>
+          <a:prstGeom prst="rect">
+            <a:avLst/>
+          </a:prstGeom>
+        </p:spPr>
+      </p:pic>
+      <p:sp>
+        <p:nvSpPr>
+          <p:cNvPr id="4" name="文本框 3">
+            <a:extLst>
+              <a:ext uri="{FF2B5EF4-FFF2-40B4-BE49-F238E27FC236}">
+                <a16:creationId xmlns:a16="http://schemas.microsoft.com/office/drawing/2014/main" id="{36001998-00B2-461D-80B8-AEE88F9DC927}"/>
+              </a:ext>
+            </a:extLst>
+          </p:cNvPr>
+          <p:cNvSpPr txBox="1"/>
+          <p:nvPr/>
+        </p:nvSpPr>
+        <p:spPr>
+          <a:xfrm>
+            <a:off x="8700117" y="852256"/>
+            <a:ext cx="1615735" cy="369332"/>
+          </a:xfrm>
+          <a:prstGeom prst="rect">
+            <a:avLst/>
+          </a:prstGeom>
+          <a:noFill/>
+        </p:spPr>
+        <p:txBody>
+          <a:bodyPr wrap="square" rtlCol="0">
+            <a:spAutoFit/>
+          </a:bodyPr>
+          <a:lstStyle/>
+          <a:p>
+            <a:r>
+              <a:rPr lang="en-US" altLang="zh-CN" dirty="0"/>
+              <a:t>PtOH2</a:t>
+            </a:r>
+            <a:endParaRPr lang="zh-CN" altLang="en-US" dirty="0"/>
+          </a:p>
+        </p:txBody>
+      </p:sp>
+      <p:pic>
+        <p:nvPicPr>
+          <p:cNvPr id="6" name="图片 5">
+            <a:extLst>
+              <a:ext uri="{FF2B5EF4-FFF2-40B4-BE49-F238E27FC236}">
+                <a16:creationId xmlns:a16="http://schemas.microsoft.com/office/drawing/2014/main" id="{E7668C7E-F609-4ED6-ACA0-734D1D28D9CB}"/>
+              </a:ext>
+            </a:extLst>
+          </p:cNvPr>
+          <p:cNvPicPr>
+            <a:picLocks noChangeAspect="1"/>
+          </p:cNvPicPr>
+          <p:nvPr/>
+        </p:nvPicPr>
+        <p:blipFill>
+          <a:blip r:embed="rId3"/>
+          <a:stretch>
+            <a:fillRect/>
+          </a:stretch>
+        </p:blipFill>
+        <p:spPr>
+          <a:xfrm>
+            <a:off x="6189724" y="1928494"/>
+            <a:ext cx="2209524" cy="3800000"/>
+          </a:xfrm>
+          <a:prstGeom prst="rect">
+            <a:avLst/>
+          </a:prstGeom>
+        </p:spPr>
+      </p:pic>
+      <p:pic>
+        <p:nvPicPr>
+          <p:cNvPr id="8" name="图片 7">
+            <a:extLst>
+              <a:ext uri="{FF2B5EF4-FFF2-40B4-BE49-F238E27FC236}">
+                <a16:creationId xmlns:a16="http://schemas.microsoft.com/office/drawing/2014/main" id="{B98F5EF7-71A1-46D1-964F-97EE2CF43BC9}"/>
+              </a:ext>
+            </a:extLst>
+          </p:cNvPr>
+          <p:cNvPicPr>
+            <a:picLocks noChangeAspect="1"/>
+          </p:cNvPicPr>
+          <p:nvPr/>
+        </p:nvPicPr>
+        <p:blipFill>
+          <a:blip r:embed="rId4"/>
+          <a:stretch>
+            <a:fillRect/>
+          </a:stretch>
+        </p:blipFill>
+        <p:spPr>
+          <a:xfrm>
+            <a:off x="8896528" y="1912311"/>
+            <a:ext cx="2104762" cy="3809524"/>
+          </a:xfrm>
+          <a:prstGeom prst="rect">
+            <a:avLst/>
+          </a:prstGeom>
+        </p:spPr>
+      </p:pic>
+    </p:spTree>
+    <p:extLst>
+      <p:ext uri="{BB962C8B-B14F-4D97-AF65-F5344CB8AC3E}">
+        <p14:creationId xmlns:p14="http://schemas.microsoft.com/office/powerpoint/2010/main" val="3909110350"/>
       </p:ext>
     </p:extLst>
   </p:cSld>
@@ -3676,48 +4159,12 @@
           <a:chExt cx="0" cy="0"/>
         </a:xfrm>
       </p:grpSpPr>
-      <p:sp>
-        <p:nvSpPr>
-          <p:cNvPr id="10" name="文本框 9">
-            <a:extLst>
-              <a:ext uri="{FF2B5EF4-FFF2-40B4-BE49-F238E27FC236}">
-                <a16:creationId xmlns:a16="http://schemas.microsoft.com/office/drawing/2014/main" id="{5E0D8CAB-4366-4ED4-A80D-9DC4DE003E3E}"/>
-              </a:ext>
-            </a:extLst>
-          </p:cNvPr>
-          <p:cNvSpPr txBox="1"/>
-          <p:nvPr/>
-        </p:nvSpPr>
-        <p:spPr>
-          <a:xfrm>
-            <a:off x="7400041" y="537328"/>
-            <a:ext cx="2300140" cy="369332"/>
-          </a:xfrm>
-          <a:prstGeom prst="rect">
-            <a:avLst/>
-          </a:prstGeom>
-          <a:noFill/>
-        </p:spPr>
-        <p:txBody>
-          <a:bodyPr wrap="square" rtlCol="0">
-            <a:spAutoFit/>
-          </a:bodyPr>
-          <a:lstStyle/>
-          <a:p>
-            <a:r>
-              <a:rPr lang="en-US" altLang="zh-CN" dirty="0"/>
-              <a:t>V(OH)2</a:t>
-            </a:r>
-            <a:endParaRPr lang="zh-CN" altLang="en-US" dirty="0"/>
-          </a:p>
-        </p:txBody>
-      </p:sp>
       <p:pic>
         <p:nvPicPr>
-          <p:cNvPr id="4" name="图片 3">
-            <a:extLst>
-              <a:ext uri="{FF2B5EF4-FFF2-40B4-BE49-F238E27FC236}">
-                <a16:creationId xmlns:a16="http://schemas.microsoft.com/office/drawing/2014/main" id="{D6F130F7-0656-430B-BC3B-A2A69D1AE22C}"/>
+          <p:cNvPr id="5" name="图片 4">
+            <a:extLst>
+              <a:ext uri="{FF2B5EF4-FFF2-40B4-BE49-F238E27FC236}">
+                <a16:creationId xmlns:a16="http://schemas.microsoft.com/office/drawing/2014/main" id="{1998EEDD-EBC0-4580-B7BA-13602AFD25B9}"/>
               </a:ext>
             </a:extLst>
           </p:cNvPr>
@@ -3734,78 +4181,54 @@
         </p:blipFill>
         <p:spPr>
           <a:xfrm>
-            <a:off x="402542" y="1426549"/>
-            <a:ext cx="6327552" cy="4625460"/>
+            <a:off x="1467057" y="1730842"/>
+            <a:ext cx="4819048" cy="4000000"/>
           </a:xfrm>
           <a:prstGeom prst="rect">
             <a:avLst/>
           </a:prstGeom>
         </p:spPr>
       </p:pic>
-      <p:pic>
-        <p:nvPicPr>
-          <p:cNvPr id="7" name="图片 6">
-            <a:extLst>
-              <a:ext uri="{FF2B5EF4-FFF2-40B4-BE49-F238E27FC236}">
-                <a16:creationId xmlns:a16="http://schemas.microsoft.com/office/drawing/2014/main" id="{15C59E9C-6D32-4442-9759-3FE9B1051F7F}"/>
-              </a:ext>
-            </a:extLst>
-          </p:cNvPr>
-          <p:cNvPicPr>
-            <a:picLocks noChangeAspect="1"/>
-          </p:cNvPicPr>
+      <p:sp>
+        <p:nvSpPr>
+          <p:cNvPr id="6" name="文本框 5">
+            <a:extLst>
+              <a:ext uri="{FF2B5EF4-FFF2-40B4-BE49-F238E27FC236}">
+                <a16:creationId xmlns:a16="http://schemas.microsoft.com/office/drawing/2014/main" id="{75FE2F2B-7E14-4F7E-9269-DB4C5570E0BC}"/>
+              </a:ext>
+            </a:extLst>
+          </p:cNvPr>
+          <p:cNvSpPr txBox="1"/>
           <p:nvPr/>
-        </p:nvPicPr>
-        <p:blipFill>
-          <a:blip r:embed="rId3"/>
-          <a:stretch>
-            <a:fillRect/>
-          </a:stretch>
-        </p:blipFill>
-        <p:spPr>
-          <a:xfrm>
-            <a:off x="6925281" y="2060965"/>
-            <a:ext cx="1867062" cy="3848433"/>
+        </p:nvSpPr>
+        <p:spPr>
+          <a:xfrm>
+            <a:off x="6096000" y="683581"/>
+            <a:ext cx="926237" cy="369332"/>
           </a:xfrm>
           <a:prstGeom prst="rect">
             <a:avLst/>
           </a:prstGeom>
-        </p:spPr>
-      </p:pic>
-      <p:pic>
-        <p:nvPicPr>
-          <p:cNvPr id="9" name="图片 8">
-            <a:extLst>
-              <a:ext uri="{FF2B5EF4-FFF2-40B4-BE49-F238E27FC236}">
-                <a16:creationId xmlns:a16="http://schemas.microsoft.com/office/drawing/2014/main" id="{CE2716FC-72DC-431B-892F-47AD0A110776}"/>
-              </a:ext>
-            </a:extLst>
-          </p:cNvPr>
-          <p:cNvPicPr>
-            <a:picLocks noChangeAspect="1"/>
-          </p:cNvPicPr>
-          <p:nvPr/>
-        </p:nvPicPr>
-        <p:blipFill>
-          <a:blip r:embed="rId4"/>
-          <a:stretch>
-            <a:fillRect/>
-          </a:stretch>
-        </p:blipFill>
-        <p:spPr>
-          <a:xfrm>
-            <a:off x="9177915" y="2045723"/>
-            <a:ext cx="2301439" cy="3878916"/>
-          </a:xfrm>
-          <a:prstGeom prst="rect">
-            <a:avLst/>
-          </a:prstGeom>
-        </p:spPr>
-      </p:pic>
+          <a:noFill/>
+        </p:spPr>
+        <p:txBody>
+          <a:bodyPr wrap="square" rtlCol="0">
+            <a:spAutoFit/>
+          </a:bodyPr>
+          <a:lstStyle/>
+          <a:p>
+            <a:r>
+              <a:rPr lang="en-US" altLang="zh-CN" dirty="0" err="1"/>
+              <a:t>Ti</a:t>
+            </a:r>
+            <a:endParaRPr lang="zh-CN" altLang="en-US" dirty="0"/>
+          </a:p>
+        </p:txBody>
+      </p:sp>
     </p:spTree>
     <p:extLst>
       <p:ext uri="{BB962C8B-B14F-4D97-AF65-F5344CB8AC3E}">
-        <p14:creationId xmlns:p14="http://schemas.microsoft.com/office/powerpoint/2010/main" val="1968866487"/>
+        <p14:creationId xmlns:p14="http://schemas.microsoft.com/office/powerpoint/2010/main" val="163015864"/>
       </p:ext>
     </p:extLst>
   </p:cSld>
@@ -3862,7 +4285,7 @@
           <a:p>
             <a:r>
               <a:rPr lang="en-US" altLang="zh-CN" dirty="0"/>
-              <a:t>Cr(OH)2</a:t>
+              <a:t>V(OH)2</a:t>
             </a:r>
             <a:endParaRPr lang="zh-CN" altLang="en-US" dirty="0"/>
           </a:p>
@@ -3870,10 +4293,10 @@
       </p:sp>
       <p:pic>
         <p:nvPicPr>
-          <p:cNvPr id="3" name="图片 2">
-            <a:extLst>
-              <a:ext uri="{FF2B5EF4-FFF2-40B4-BE49-F238E27FC236}">
-                <a16:creationId xmlns:a16="http://schemas.microsoft.com/office/drawing/2014/main" id="{8CC5BB71-815A-431F-9590-C34AA4FB13E8}"/>
+          <p:cNvPr id="4" name="图片 3">
+            <a:extLst>
+              <a:ext uri="{FF2B5EF4-FFF2-40B4-BE49-F238E27FC236}">
+                <a16:creationId xmlns:a16="http://schemas.microsoft.com/office/drawing/2014/main" id="{D6F130F7-0656-430B-BC3B-A2A69D1AE22C}"/>
               </a:ext>
             </a:extLst>
           </p:cNvPr>
@@ -3890,8 +4313,8 @@
         </p:blipFill>
         <p:spPr>
           <a:xfrm>
-            <a:off x="417586" y="1339505"/>
-            <a:ext cx="6109422" cy="4533395"/>
+            <a:off x="402542" y="1426549"/>
+            <a:ext cx="6327552" cy="4625460"/>
           </a:xfrm>
           <a:prstGeom prst="rect">
             <a:avLst/>
@@ -3900,10 +4323,10 @@
       </p:pic>
       <p:pic>
         <p:nvPicPr>
-          <p:cNvPr id="6" name="图片 5">
-            <a:extLst>
-              <a:ext uri="{FF2B5EF4-FFF2-40B4-BE49-F238E27FC236}">
-                <a16:creationId xmlns:a16="http://schemas.microsoft.com/office/drawing/2014/main" id="{20AE1D5E-ED30-4E69-9133-ED23456D2F62}"/>
+          <p:cNvPr id="7" name="图片 6">
+            <a:extLst>
+              <a:ext uri="{FF2B5EF4-FFF2-40B4-BE49-F238E27FC236}">
+                <a16:creationId xmlns:a16="http://schemas.microsoft.com/office/drawing/2014/main" id="{15C59E9C-6D32-4442-9759-3FE9B1051F7F}"/>
               </a:ext>
             </a:extLst>
           </p:cNvPr>
@@ -3920,8 +4343,8 @@
         </p:blipFill>
         <p:spPr>
           <a:xfrm>
-            <a:off x="6527008" y="1899298"/>
-            <a:ext cx="2362405" cy="3756986"/>
+            <a:off x="6925281" y="2060965"/>
+            <a:ext cx="1867062" cy="3848433"/>
           </a:xfrm>
           <a:prstGeom prst="rect">
             <a:avLst/>
@@ -3930,10 +4353,10 @@
       </p:pic>
       <p:pic>
         <p:nvPicPr>
-          <p:cNvPr id="11" name="图片 10">
-            <a:extLst>
-              <a:ext uri="{FF2B5EF4-FFF2-40B4-BE49-F238E27FC236}">
-                <a16:creationId xmlns:a16="http://schemas.microsoft.com/office/drawing/2014/main" id="{46727BBE-EE18-42A0-88C8-0C61D94E8A29}"/>
+          <p:cNvPr id="9" name="图片 8">
+            <a:extLst>
+              <a:ext uri="{FF2B5EF4-FFF2-40B4-BE49-F238E27FC236}">
+                <a16:creationId xmlns:a16="http://schemas.microsoft.com/office/drawing/2014/main" id="{CE2716FC-72DC-431B-892F-47AD0A110776}"/>
               </a:ext>
             </a:extLst>
           </p:cNvPr>
@@ -3950,8 +4373,8 @@
         </p:blipFill>
         <p:spPr>
           <a:xfrm>
-            <a:off x="9128976" y="1899298"/>
-            <a:ext cx="2286198" cy="3718882"/>
+            <a:off x="9177915" y="2045723"/>
+            <a:ext cx="2301439" cy="3878916"/>
           </a:xfrm>
           <a:prstGeom prst="rect">
             <a:avLst/>
@@ -3961,7 +4384,7 @@
     </p:spTree>
     <p:extLst>
       <p:ext uri="{BB962C8B-B14F-4D97-AF65-F5344CB8AC3E}">
-        <p14:creationId xmlns:p14="http://schemas.microsoft.com/office/powerpoint/2010/main" val="2459402994"/>
+        <p14:creationId xmlns:p14="http://schemas.microsoft.com/office/powerpoint/2010/main" val="1968866487"/>
       </p:ext>
     </p:extLst>
   </p:cSld>
@@ -4018,7 +4441,7 @@
           <a:p>
             <a:r>
               <a:rPr lang="en-US" altLang="zh-CN" dirty="0"/>
-              <a:t>Mn(OH)2</a:t>
+              <a:t>Cr(OH)2</a:t>
             </a:r>
             <a:endParaRPr lang="zh-CN" altLang="en-US" dirty="0"/>
           </a:p>
@@ -4029,7 +4452,7 @@
           <p:cNvPr id="3" name="图片 2">
             <a:extLst>
               <a:ext uri="{FF2B5EF4-FFF2-40B4-BE49-F238E27FC236}">
-                <a16:creationId xmlns:a16="http://schemas.microsoft.com/office/drawing/2014/main" id="{9231607C-CCE9-402C-9053-CD826BBC3190}"/>
+                <a16:creationId xmlns:a16="http://schemas.microsoft.com/office/drawing/2014/main" id="{8CC5BB71-815A-431F-9590-C34AA4FB13E8}"/>
               </a:ext>
             </a:extLst>
           </p:cNvPr>
@@ -4046,8 +4469,8 @@
         </p:blipFill>
         <p:spPr>
           <a:xfrm>
-            <a:off x="411597" y="1314837"/>
-            <a:ext cx="6446514" cy="4444940"/>
+            <a:off x="417586" y="1339505"/>
+            <a:ext cx="6109422" cy="4533395"/>
           </a:xfrm>
           <a:prstGeom prst="rect">
             <a:avLst/>
@@ -4059,7 +4482,7 @@
           <p:cNvPr id="6" name="图片 5">
             <a:extLst>
               <a:ext uri="{FF2B5EF4-FFF2-40B4-BE49-F238E27FC236}">
-                <a16:creationId xmlns:a16="http://schemas.microsoft.com/office/drawing/2014/main" id="{9C0F2E11-698F-4A0E-868A-95B59D9ECC0C}"/>
+                <a16:creationId xmlns:a16="http://schemas.microsoft.com/office/drawing/2014/main" id="{20AE1D5E-ED30-4E69-9133-ED23456D2F62}"/>
               </a:ext>
             </a:extLst>
           </p:cNvPr>
@@ -4076,8 +4499,8 @@
         </p:blipFill>
         <p:spPr>
           <a:xfrm>
-            <a:off x="6993890" y="1767125"/>
-            <a:ext cx="2088061" cy="3795089"/>
+            <a:off x="6527008" y="1899298"/>
+            <a:ext cx="2362405" cy="3756986"/>
           </a:xfrm>
           <a:prstGeom prst="rect">
             <a:avLst/>
@@ -4089,7 +4512,7 @@
           <p:cNvPr id="11" name="图片 10">
             <a:extLst>
               <a:ext uri="{FF2B5EF4-FFF2-40B4-BE49-F238E27FC236}">
-                <a16:creationId xmlns:a16="http://schemas.microsoft.com/office/drawing/2014/main" id="{F9EB2BCD-EC01-48EF-B12E-21CAED50298C}"/>
+                <a16:creationId xmlns:a16="http://schemas.microsoft.com/office/drawing/2014/main" id="{46727BBE-EE18-42A0-88C8-0C61D94E8A29}"/>
               </a:ext>
             </a:extLst>
           </p:cNvPr>
@@ -4106,8 +4529,8 @@
         </p:blipFill>
         <p:spPr>
           <a:xfrm>
-            <a:off x="9257964" y="1805228"/>
-            <a:ext cx="2522439" cy="3756986"/>
+            <a:off x="9128976" y="1899298"/>
+            <a:ext cx="2286198" cy="3718882"/>
           </a:xfrm>
           <a:prstGeom prst="rect">
             <a:avLst/>
@@ -4117,7 +4540,7 @@
     </p:spTree>
     <p:extLst>
       <p:ext uri="{BB962C8B-B14F-4D97-AF65-F5344CB8AC3E}">
-        <p14:creationId xmlns:p14="http://schemas.microsoft.com/office/powerpoint/2010/main" val="1077246156"/>
+        <p14:creationId xmlns:p14="http://schemas.microsoft.com/office/powerpoint/2010/main" val="2459402994"/>
       </p:ext>
     </p:extLst>
   </p:cSld>
@@ -4174,7 +4597,7 @@
           <a:p>
             <a:r>
               <a:rPr lang="en-US" altLang="zh-CN" dirty="0"/>
-              <a:t>Ni(OH)2</a:t>
+              <a:t>Mn(OH)2</a:t>
             </a:r>
             <a:endParaRPr lang="zh-CN" altLang="en-US" dirty="0"/>
           </a:p>
@@ -4182,10 +4605,10 @@
       </p:sp>
       <p:pic>
         <p:nvPicPr>
-          <p:cNvPr id="3" name="图片 2">
-            <a:extLst>
-              <a:ext uri="{FF2B5EF4-FFF2-40B4-BE49-F238E27FC236}">
-                <a16:creationId xmlns:a16="http://schemas.microsoft.com/office/drawing/2014/main" id="{1A51216E-5160-4DEA-89B2-834CE9D4BF08}"/>
+          <p:cNvPr id="4" name="图片 3">
+            <a:extLst>
+              <a:ext uri="{FF2B5EF4-FFF2-40B4-BE49-F238E27FC236}">
+                <a16:creationId xmlns:a16="http://schemas.microsoft.com/office/drawing/2014/main" id="{B54ADAC4-5E6B-4CAB-80FD-E72F01C50D3E}"/>
               </a:ext>
             </a:extLst>
           </p:cNvPr>
@@ -4202,8 +4625,8 @@
         </p:blipFill>
         <p:spPr>
           <a:xfrm>
-            <a:off x="356026" y="1196497"/>
-            <a:ext cx="6472384" cy="4465006"/>
+            <a:off x="597356" y="1799207"/>
+            <a:ext cx="5333333" cy="3685714"/>
           </a:xfrm>
           <a:prstGeom prst="rect">
             <a:avLst/>
@@ -4212,10 +4635,10 @@
       </p:pic>
       <p:pic>
         <p:nvPicPr>
-          <p:cNvPr id="6" name="图片 5">
-            <a:extLst>
-              <a:ext uri="{FF2B5EF4-FFF2-40B4-BE49-F238E27FC236}">
-                <a16:creationId xmlns:a16="http://schemas.microsoft.com/office/drawing/2014/main" id="{898D6E08-23B4-4263-8BBA-4F9916A90B1C}"/>
+          <p:cNvPr id="7" name="图片 6">
+            <a:extLst>
+              <a:ext uri="{FF2B5EF4-FFF2-40B4-BE49-F238E27FC236}">
+                <a16:creationId xmlns:a16="http://schemas.microsoft.com/office/drawing/2014/main" id="{052FA05F-F1D0-491E-9C30-342AAE0CD18E}"/>
               </a:ext>
             </a:extLst>
           </p:cNvPr>
@@ -4232,8 +4655,8 @@
         </p:blipFill>
         <p:spPr>
           <a:xfrm>
-            <a:off x="6828410" y="1805427"/>
-            <a:ext cx="2278577" cy="3680779"/>
+            <a:off x="5930689" y="1675396"/>
+            <a:ext cx="3628571" cy="3971429"/>
           </a:xfrm>
           <a:prstGeom prst="rect">
             <a:avLst/>
@@ -4242,10 +4665,10 @@
       </p:pic>
       <p:pic>
         <p:nvPicPr>
-          <p:cNvPr id="11" name="图片 10">
-            <a:extLst>
-              <a:ext uri="{FF2B5EF4-FFF2-40B4-BE49-F238E27FC236}">
-                <a16:creationId xmlns:a16="http://schemas.microsoft.com/office/drawing/2014/main" id="{422AC98C-DE98-48FB-8639-78240C3EE80A}"/>
+          <p:cNvPr id="9" name="图片 8">
+            <a:extLst>
+              <a:ext uri="{FF2B5EF4-FFF2-40B4-BE49-F238E27FC236}">
+                <a16:creationId xmlns:a16="http://schemas.microsoft.com/office/drawing/2014/main" id="{EC7A0EA6-4350-4C77-82BD-847D362B56AB}"/>
               </a:ext>
             </a:extLst>
           </p:cNvPr>
@@ -4262,18 +4685,54 @@
         </p:blipFill>
         <p:spPr>
           <a:xfrm>
-            <a:off x="9389314" y="1857019"/>
-            <a:ext cx="2255715" cy="3627434"/>
+            <a:off x="9487238" y="1694445"/>
+            <a:ext cx="2704762" cy="3933333"/>
           </a:xfrm>
           <a:prstGeom prst="rect">
             <a:avLst/>
           </a:prstGeom>
         </p:spPr>
       </p:pic>
+      <p:sp>
+        <p:nvSpPr>
+          <p:cNvPr id="12" name="文本框 11">
+            <a:extLst>
+              <a:ext uri="{FF2B5EF4-FFF2-40B4-BE49-F238E27FC236}">
+                <a16:creationId xmlns:a16="http://schemas.microsoft.com/office/drawing/2014/main" id="{9576C218-AB6D-4876-9594-332D5F687253}"/>
+              </a:ext>
+            </a:extLst>
+          </p:cNvPr>
+          <p:cNvSpPr txBox="1"/>
+          <p:nvPr/>
+        </p:nvSpPr>
+        <p:spPr>
+          <a:xfrm>
+            <a:off x="7474998" y="1162975"/>
+            <a:ext cx="1367161" cy="369332"/>
+          </a:xfrm>
+          <a:prstGeom prst="rect">
+            <a:avLst/>
+          </a:prstGeom>
+          <a:noFill/>
+        </p:spPr>
+        <p:txBody>
+          <a:bodyPr wrap="square" rtlCol="0">
+            <a:spAutoFit/>
+          </a:bodyPr>
+          <a:lstStyle/>
+          <a:p>
+            <a:r>
+              <a:rPr lang="en-US" altLang="zh-CN" dirty="0"/>
+              <a:t>441</a:t>
+            </a:r>
+            <a:endParaRPr lang="zh-CN" altLang="en-US" dirty="0"/>
+          </a:p>
+        </p:txBody>
+      </p:sp>
     </p:spTree>
     <p:extLst>
       <p:ext uri="{BB962C8B-B14F-4D97-AF65-F5344CB8AC3E}">
-        <p14:creationId xmlns:p14="http://schemas.microsoft.com/office/powerpoint/2010/main" val="2139685216"/>
+        <p14:creationId xmlns:p14="http://schemas.microsoft.com/office/powerpoint/2010/main" val="1077246156"/>
       </p:ext>
     </p:extLst>
   </p:cSld>
@@ -4302,10 +4761,10 @@
       </p:grpSpPr>
       <p:sp>
         <p:nvSpPr>
-          <p:cNvPr id="2" name="文本框 1">
-            <a:extLst>
-              <a:ext uri="{FF2B5EF4-FFF2-40B4-BE49-F238E27FC236}">
-                <a16:creationId xmlns:a16="http://schemas.microsoft.com/office/drawing/2014/main" id="{0172D586-0AB7-45E7-B70E-08370A07B73C}"/>
+          <p:cNvPr id="10" name="文本框 9">
+            <a:extLst>
+              <a:ext uri="{FF2B5EF4-FFF2-40B4-BE49-F238E27FC236}">
+                <a16:creationId xmlns:a16="http://schemas.microsoft.com/office/drawing/2014/main" id="{5E0D8CAB-4366-4ED4-A80D-9DC4DE003E3E}"/>
               </a:ext>
             </a:extLst>
           </p:cNvPr>
@@ -4314,8 +4773,8 @@
         </p:nvSpPr>
         <p:spPr>
           <a:xfrm>
-            <a:off x="7456602" y="518474"/>
-            <a:ext cx="2469823" cy="369332"/>
+            <a:off x="7400041" y="537328"/>
+            <a:ext cx="2300140" cy="369332"/>
           </a:xfrm>
           <a:prstGeom prst="rect">
             <a:avLst/>
@@ -4330,7 +4789,7 @@
           <a:p>
             <a:r>
               <a:rPr lang="en-US" altLang="zh-CN" dirty="0"/>
-              <a:t>Cu(OH)2</a:t>
+              <a:t>Ni(OH)2</a:t>
             </a:r>
             <a:endParaRPr lang="zh-CN" altLang="en-US" dirty="0"/>
           </a:p>
@@ -4338,10 +4797,10 @@
       </p:sp>
       <p:pic>
         <p:nvPicPr>
-          <p:cNvPr id="4" name="图片 3">
-            <a:extLst>
-              <a:ext uri="{FF2B5EF4-FFF2-40B4-BE49-F238E27FC236}">
-                <a16:creationId xmlns:a16="http://schemas.microsoft.com/office/drawing/2014/main" id="{1D904D87-8F1D-429F-9B66-C5E871715975}"/>
+          <p:cNvPr id="3" name="图片 2">
+            <a:extLst>
+              <a:ext uri="{FF2B5EF4-FFF2-40B4-BE49-F238E27FC236}">
+                <a16:creationId xmlns:a16="http://schemas.microsoft.com/office/drawing/2014/main" id="{1A51216E-5160-4DEA-89B2-834CE9D4BF08}"/>
               </a:ext>
             </a:extLst>
           </p:cNvPr>
@@ -4358,8 +4817,68 @@
         </p:blipFill>
         <p:spPr>
           <a:xfrm>
-            <a:off x="626386" y="703140"/>
-            <a:ext cx="5113463" cy="3817951"/>
+            <a:off x="356026" y="1196497"/>
+            <a:ext cx="6472384" cy="4465006"/>
+          </a:xfrm>
+          <a:prstGeom prst="rect">
+            <a:avLst/>
+          </a:prstGeom>
+        </p:spPr>
+      </p:pic>
+      <p:pic>
+        <p:nvPicPr>
+          <p:cNvPr id="6" name="图片 5">
+            <a:extLst>
+              <a:ext uri="{FF2B5EF4-FFF2-40B4-BE49-F238E27FC236}">
+                <a16:creationId xmlns:a16="http://schemas.microsoft.com/office/drawing/2014/main" id="{898D6E08-23B4-4263-8BBA-4F9916A90B1C}"/>
+              </a:ext>
+            </a:extLst>
+          </p:cNvPr>
+          <p:cNvPicPr>
+            <a:picLocks noChangeAspect="1"/>
+          </p:cNvPicPr>
+          <p:nvPr/>
+        </p:nvPicPr>
+        <p:blipFill>
+          <a:blip r:embed="rId3"/>
+          <a:stretch>
+            <a:fillRect/>
+          </a:stretch>
+        </p:blipFill>
+        <p:spPr>
+          <a:xfrm>
+            <a:off x="6828410" y="1805427"/>
+            <a:ext cx="2278577" cy="3680779"/>
+          </a:xfrm>
+          <a:prstGeom prst="rect">
+            <a:avLst/>
+          </a:prstGeom>
+        </p:spPr>
+      </p:pic>
+      <p:pic>
+        <p:nvPicPr>
+          <p:cNvPr id="11" name="图片 10">
+            <a:extLst>
+              <a:ext uri="{FF2B5EF4-FFF2-40B4-BE49-F238E27FC236}">
+                <a16:creationId xmlns:a16="http://schemas.microsoft.com/office/drawing/2014/main" id="{422AC98C-DE98-48FB-8639-78240C3EE80A}"/>
+              </a:ext>
+            </a:extLst>
+          </p:cNvPr>
+          <p:cNvPicPr>
+            <a:picLocks noChangeAspect="1"/>
+          </p:cNvPicPr>
+          <p:nvPr/>
+        </p:nvPicPr>
+        <p:blipFill>
+          <a:blip r:embed="rId4"/>
+          <a:stretch>
+            <a:fillRect/>
+          </a:stretch>
+        </p:blipFill>
+        <p:spPr>
+          <a:xfrm>
+            <a:off x="9389314" y="1857019"/>
+            <a:ext cx="2255715" cy="3627434"/>
           </a:xfrm>
           <a:prstGeom prst="rect">
             <a:avLst/>
@@ -4369,7 +4888,7 @@
     </p:spTree>
     <p:extLst>
       <p:ext uri="{BB962C8B-B14F-4D97-AF65-F5344CB8AC3E}">
-        <p14:creationId xmlns:p14="http://schemas.microsoft.com/office/powerpoint/2010/main" val="2119297425"/>
+        <p14:creationId xmlns:p14="http://schemas.microsoft.com/office/powerpoint/2010/main" val="2139685216"/>
       </p:ext>
     </p:extLst>
   </p:cSld>
@@ -4401,7 +4920,7 @@
           <p:cNvPr id="2" name="文本框 1">
             <a:extLst>
               <a:ext uri="{FF2B5EF4-FFF2-40B4-BE49-F238E27FC236}">
-                <a16:creationId xmlns:a16="http://schemas.microsoft.com/office/drawing/2014/main" id="{CF8E6300-6742-457C-ADE9-DE9E5C7427CE}"/>
+                <a16:creationId xmlns:a16="http://schemas.microsoft.com/office/drawing/2014/main" id="{0172D586-0AB7-45E7-B70E-08370A07B73C}"/>
               </a:ext>
             </a:extLst>
           </p:cNvPr>
@@ -4410,8 +4929,8 @@
         </p:nvSpPr>
         <p:spPr>
           <a:xfrm>
-            <a:off x="7202078" y="857839"/>
-            <a:ext cx="2460396" cy="369332"/>
+            <a:off x="7456602" y="518474"/>
+            <a:ext cx="2469823" cy="369332"/>
           </a:xfrm>
           <a:prstGeom prst="rect">
             <a:avLst/>
@@ -4426,7 +4945,7 @@
           <a:p>
             <a:r>
               <a:rPr lang="en-US" altLang="zh-CN" dirty="0"/>
-              <a:t>Rh(OH)2</a:t>
+              <a:t>Cu(OH)2</a:t>
             </a:r>
             <a:endParaRPr lang="zh-CN" altLang="en-US" dirty="0"/>
           </a:p>
@@ -4434,10 +4953,10 @@
       </p:sp>
       <p:pic>
         <p:nvPicPr>
-          <p:cNvPr id="5" name="图片 4">
-            <a:extLst>
-              <a:ext uri="{FF2B5EF4-FFF2-40B4-BE49-F238E27FC236}">
-                <a16:creationId xmlns:a16="http://schemas.microsoft.com/office/drawing/2014/main" id="{82D8C851-1FE6-4B57-9D6B-4677030D1D73}"/>
+          <p:cNvPr id="4" name="图片 3">
+            <a:extLst>
+              <a:ext uri="{FF2B5EF4-FFF2-40B4-BE49-F238E27FC236}">
+                <a16:creationId xmlns:a16="http://schemas.microsoft.com/office/drawing/2014/main" id="{1D904D87-8F1D-429F-9B66-C5E871715975}"/>
               </a:ext>
             </a:extLst>
           </p:cNvPr>
@@ -4447,21 +4966,15 @@
           <p:nvPr/>
         </p:nvPicPr>
         <p:blipFill>
-          <a:blip r:embed="rId2">
-            <a:extLst>
-              <a:ext uri="{28A0092B-C50C-407E-A947-70E740481C1C}">
-                <a14:useLocalDpi xmlns:a14="http://schemas.microsoft.com/office/drawing/2010/main" val="0"/>
-              </a:ext>
-            </a:extLst>
-          </a:blip>
+          <a:blip r:embed="rId2"/>
           <a:stretch>
             <a:fillRect/>
           </a:stretch>
         </p:blipFill>
         <p:spPr>
           <a:xfrm>
-            <a:off x="568455" y="779723"/>
-            <a:ext cx="6153150" cy="4638675"/>
+            <a:off x="626386" y="703140"/>
+            <a:ext cx="5113463" cy="3817951"/>
           </a:xfrm>
           <a:prstGeom prst="rect">
             <a:avLst/>
@@ -4471,7 +4984,7 @@
     </p:spTree>
     <p:extLst>
       <p:ext uri="{BB962C8B-B14F-4D97-AF65-F5344CB8AC3E}">
-        <p14:creationId xmlns:p14="http://schemas.microsoft.com/office/powerpoint/2010/main" val="2425086958"/>
+        <p14:creationId xmlns:p14="http://schemas.microsoft.com/office/powerpoint/2010/main" val="2119297425"/>
       </p:ext>
     </p:extLst>
   </p:cSld>
@@ -4503,7 +5016,7 @@
           <p:cNvPr id="2" name="文本框 1">
             <a:extLst>
               <a:ext uri="{FF2B5EF4-FFF2-40B4-BE49-F238E27FC236}">
-                <a16:creationId xmlns:a16="http://schemas.microsoft.com/office/drawing/2014/main" id="{391CCB28-AB8A-4E72-B8CC-555D222E8DF9}"/>
+                <a16:creationId xmlns:a16="http://schemas.microsoft.com/office/drawing/2014/main" id="{CF8E6300-6742-457C-ADE9-DE9E5C7427CE}"/>
               </a:ext>
             </a:extLst>
           </p:cNvPr>
@@ -4512,8 +5025,8 @@
         </p:nvSpPr>
         <p:spPr>
           <a:xfrm>
-            <a:off x="8201320" y="744718"/>
-            <a:ext cx="1847653" cy="369332"/>
+            <a:off x="7202078" y="857839"/>
+            <a:ext cx="2460396" cy="369332"/>
           </a:xfrm>
           <a:prstGeom prst="rect">
             <a:avLst/>
@@ -4528,7 +5041,7 @@
           <a:p>
             <a:r>
               <a:rPr lang="en-US" altLang="zh-CN" dirty="0"/>
-              <a:t>Ru(OH)2</a:t>
+              <a:t>Rh(OH)2</a:t>
             </a:r>
             <a:endParaRPr lang="zh-CN" altLang="en-US" dirty="0"/>
           </a:p>
@@ -4536,10 +5049,10 @@
       </p:sp>
       <p:pic>
         <p:nvPicPr>
-          <p:cNvPr id="4" name="图片 3">
-            <a:extLst>
-              <a:ext uri="{FF2B5EF4-FFF2-40B4-BE49-F238E27FC236}">
-                <a16:creationId xmlns:a16="http://schemas.microsoft.com/office/drawing/2014/main" id="{B147746B-EEB2-42F2-ADDF-99A46CB7B4EE}"/>
+          <p:cNvPr id="5" name="图片 4">
+            <a:extLst>
+              <a:ext uri="{FF2B5EF4-FFF2-40B4-BE49-F238E27FC236}">
+                <a16:creationId xmlns:a16="http://schemas.microsoft.com/office/drawing/2014/main" id="{82D8C851-1FE6-4B57-9D6B-4677030D1D73}"/>
               </a:ext>
             </a:extLst>
           </p:cNvPr>
@@ -4562,68 +5075,8 @@
         </p:blipFill>
         <p:spPr>
           <a:xfrm>
-            <a:off x="183675" y="1300900"/>
-            <a:ext cx="6734175" cy="4600575"/>
-          </a:xfrm>
-          <a:prstGeom prst="rect">
-            <a:avLst/>
-          </a:prstGeom>
-        </p:spPr>
-      </p:pic>
-      <p:pic>
-        <p:nvPicPr>
-          <p:cNvPr id="5" name="图片 4">
-            <a:extLst>
-              <a:ext uri="{FF2B5EF4-FFF2-40B4-BE49-F238E27FC236}">
-                <a16:creationId xmlns:a16="http://schemas.microsoft.com/office/drawing/2014/main" id="{86C74918-5D21-4F90-AA5A-7B04073D6A50}"/>
-              </a:ext>
-            </a:extLst>
-          </p:cNvPr>
-          <p:cNvPicPr>
-            <a:picLocks noChangeAspect="1"/>
-          </p:cNvPicPr>
-          <p:nvPr/>
-        </p:nvPicPr>
-        <p:blipFill>
-          <a:blip r:embed="rId3"/>
-          <a:stretch>
-            <a:fillRect/>
-          </a:stretch>
-        </p:blipFill>
-        <p:spPr>
-          <a:xfrm>
-            <a:off x="7078757" y="2103076"/>
-            <a:ext cx="2446232" cy="3726503"/>
-          </a:xfrm>
-          <a:prstGeom prst="rect">
-            <a:avLst/>
-          </a:prstGeom>
-        </p:spPr>
-      </p:pic>
-      <p:pic>
-        <p:nvPicPr>
-          <p:cNvPr id="8" name="图片 7">
-            <a:extLst>
-              <a:ext uri="{FF2B5EF4-FFF2-40B4-BE49-F238E27FC236}">
-                <a16:creationId xmlns:a16="http://schemas.microsoft.com/office/drawing/2014/main" id="{A1F0ABBD-5176-4E8C-A4F0-E0B6DD5017F0}"/>
-              </a:ext>
-            </a:extLst>
-          </p:cNvPr>
-          <p:cNvPicPr>
-            <a:picLocks noChangeAspect="1"/>
-          </p:cNvPicPr>
-          <p:nvPr/>
-        </p:nvPicPr>
-        <p:blipFill>
-          <a:blip r:embed="rId4"/>
-          <a:stretch>
-            <a:fillRect/>
-          </a:stretch>
-        </p:blipFill>
-        <p:spPr>
-          <a:xfrm>
-            <a:off x="9565941" y="2062375"/>
-            <a:ext cx="2575783" cy="3939881"/>
+            <a:off x="568455" y="779723"/>
+            <a:ext cx="6153150" cy="4638675"/>
           </a:xfrm>
           <a:prstGeom prst="rect">
             <a:avLst/>
@@ -4633,7 +5086,7 @@
     </p:spTree>
     <p:extLst>
       <p:ext uri="{BB962C8B-B14F-4D97-AF65-F5344CB8AC3E}">
-        <p14:creationId xmlns:p14="http://schemas.microsoft.com/office/powerpoint/2010/main" val="2095248732"/>
+        <p14:creationId xmlns:p14="http://schemas.microsoft.com/office/powerpoint/2010/main" val="2425086958"/>
       </p:ext>
     </p:extLst>
   </p:cSld>

--- a/zyj/声子谱.pptx
+++ b/zyj/声子谱.pptx
@@ -17,6 +17,7 @@
     <p:sldId id="264" r:id="rId11"/>
     <p:sldId id="265" r:id="rId12"/>
     <p:sldId id="266" r:id="rId13"/>
+    <p:sldId id="268" r:id="rId14"/>
   </p:sldIdLst>
   <p:sldSz cx="12192000" cy="6858000"/>
   <p:notesSz cx="6858000" cy="9144000"/>
@@ -270,7 +271,7 @@
           <a:p>
             <a:fld id="{33F4C065-F663-4831-9C87-52E6E8662FCD}" type="datetimeFigureOut">
               <a:rPr lang="zh-CN" altLang="en-US" smtClean="0"/>
-              <a:t>2021/4/21</a:t>
+              <a:t>2021/4/22</a:t>
             </a:fld>
             <a:endParaRPr lang="zh-CN" altLang="en-US"/>
           </a:p>
@@ -468,7 +469,7 @@
           <a:p>
             <a:fld id="{33F4C065-F663-4831-9C87-52E6E8662FCD}" type="datetimeFigureOut">
               <a:rPr lang="zh-CN" altLang="en-US" smtClean="0"/>
-              <a:t>2021/4/21</a:t>
+              <a:t>2021/4/22</a:t>
             </a:fld>
             <a:endParaRPr lang="zh-CN" altLang="en-US"/>
           </a:p>
@@ -676,7 +677,7 @@
           <a:p>
             <a:fld id="{33F4C065-F663-4831-9C87-52E6E8662FCD}" type="datetimeFigureOut">
               <a:rPr lang="zh-CN" altLang="en-US" smtClean="0"/>
-              <a:t>2021/4/21</a:t>
+              <a:t>2021/4/22</a:t>
             </a:fld>
             <a:endParaRPr lang="zh-CN" altLang="en-US"/>
           </a:p>
@@ -874,7 +875,7 @@
           <a:p>
             <a:fld id="{33F4C065-F663-4831-9C87-52E6E8662FCD}" type="datetimeFigureOut">
               <a:rPr lang="zh-CN" altLang="en-US" smtClean="0"/>
-              <a:t>2021/4/21</a:t>
+              <a:t>2021/4/22</a:t>
             </a:fld>
             <a:endParaRPr lang="zh-CN" altLang="en-US"/>
           </a:p>
@@ -1149,7 +1150,7 @@
           <a:p>
             <a:fld id="{33F4C065-F663-4831-9C87-52E6E8662FCD}" type="datetimeFigureOut">
               <a:rPr lang="zh-CN" altLang="en-US" smtClean="0"/>
-              <a:t>2021/4/21</a:t>
+              <a:t>2021/4/22</a:t>
             </a:fld>
             <a:endParaRPr lang="zh-CN" altLang="en-US"/>
           </a:p>
@@ -1414,7 +1415,7 @@
           <a:p>
             <a:fld id="{33F4C065-F663-4831-9C87-52E6E8662FCD}" type="datetimeFigureOut">
               <a:rPr lang="zh-CN" altLang="en-US" smtClean="0"/>
-              <a:t>2021/4/21</a:t>
+              <a:t>2021/4/22</a:t>
             </a:fld>
             <a:endParaRPr lang="zh-CN" altLang="en-US"/>
           </a:p>
@@ -1826,7 +1827,7 @@
           <a:p>
             <a:fld id="{33F4C065-F663-4831-9C87-52E6E8662FCD}" type="datetimeFigureOut">
               <a:rPr lang="zh-CN" altLang="en-US" smtClean="0"/>
-              <a:t>2021/4/21</a:t>
+              <a:t>2021/4/22</a:t>
             </a:fld>
             <a:endParaRPr lang="zh-CN" altLang="en-US"/>
           </a:p>
@@ -1967,7 +1968,7 @@
           <a:p>
             <a:fld id="{33F4C065-F663-4831-9C87-52E6E8662FCD}" type="datetimeFigureOut">
               <a:rPr lang="zh-CN" altLang="en-US" smtClean="0"/>
-              <a:t>2021/4/21</a:t>
+              <a:t>2021/4/22</a:t>
             </a:fld>
             <a:endParaRPr lang="zh-CN" altLang="en-US"/>
           </a:p>
@@ -2080,7 +2081,7 @@
           <a:p>
             <a:fld id="{33F4C065-F663-4831-9C87-52E6E8662FCD}" type="datetimeFigureOut">
               <a:rPr lang="zh-CN" altLang="en-US" smtClean="0"/>
-              <a:t>2021/4/21</a:t>
+              <a:t>2021/4/22</a:t>
             </a:fld>
             <a:endParaRPr lang="zh-CN" altLang="en-US"/>
           </a:p>
@@ -2391,7 +2392,7 @@
           <a:p>
             <a:fld id="{33F4C065-F663-4831-9C87-52E6E8662FCD}" type="datetimeFigureOut">
               <a:rPr lang="zh-CN" altLang="en-US" smtClean="0"/>
-              <a:t>2021/4/21</a:t>
+              <a:t>2021/4/22</a:t>
             </a:fld>
             <a:endParaRPr lang="zh-CN" altLang="en-US"/>
           </a:p>
@@ -2679,7 +2680,7 @@
           <a:p>
             <a:fld id="{33F4C065-F663-4831-9C87-52E6E8662FCD}" type="datetimeFigureOut">
               <a:rPr lang="zh-CN" altLang="en-US" smtClean="0"/>
-              <a:t>2021/4/21</a:t>
+              <a:t>2021/4/22</a:t>
             </a:fld>
             <a:endParaRPr lang="zh-CN" altLang="en-US"/>
           </a:p>
@@ -2920,7 +2921,7 @@
           <a:p>
             <a:fld id="{33F4C065-F663-4831-9C87-52E6E8662FCD}" type="datetimeFigureOut">
               <a:rPr lang="zh-CN" altLang="en-US" smtClean="0"/>
-              <a:t>2021/4/21</a:t>
+              <a:t>2021/4/22</a:t>
             </a:fld>
             <a:endParaRPr lang="zh-CN" altLang="en-US"/>
           </a:p>
@@ -3986,6 +3987,102 @@
 </p:sld>
 </file>
 
+<file path=ppt/slides/slide13.xml><?xml version="1.0" encoding="utf-8"?>
+<p:sld xmlns:a="http://schemas.openxmlformats.org/drawingml/2006/main" xmlns:r="http://schemas.openxmlformats.org/officeDocument/2006/relationships" xmlns:p="http://schemas.openxmlformats.org/presentationml/2006/main">
+  <p:cSld>
+    <p:spTree>
+      <p:nvGrpSpPr>
+        <p:cNvPr id="1" name=""/>
+        <p:cNvGrpSpPr/>
+        <p:nvPr/>
+      </p:nvGrpSpPr>
+      <p:grpSpPr>
+        <a:xfrm>
+          <a:off x="0" y="0"/>
+          <a:ext cx="0" cy="0"/>
+          <a:chOff x="0" y="0"/>
+          <a:chExt cx="0" cy="0"/>
+        </a:xfrm>
+      </p:grpSpPr>
+      <p:sp>
+        <p:nvSpPr>
+          <p:cNvPr id="2" name="文本框 1">
+            <a:extLst>
+              <a:ext uri="{FF2B5EF4-FFF2-40B4-BE49-F238E27FC236}">
+                <a16:creationId xmlns:a16="http://schemas.microsoft.com/office/drawing/2014/main" id="{A9D1CCC8-025E-4692-BD41-13BD1C497AFB}"/>
+              </a:ext>
+            </a:extLst>
+          </p:cNvPr>
+          <p:cNvSpPr txBox="1"/>
+          <p:nvPr/>
+        </p:nvSpPr>
+        <p:spPr>
+          <a:xfrm>
+            <a:off x="8766928" y="763571"/>
+            <a:ext cx="1508288" cy="369332"/>
+          </a:xfrm>
+          <a:prstGeom prst="rect">
+            <a:avLst/>
+          </a:prstGeom>
+          <a:noFill/>
+        </p:spPr>
+        <p:txBody>
+          <a:bodyPr wrap="square" rtlCol="0">
+            <a:spAutoFit/>
+          </a:bodyPr>
+          <a:lstStyle/>
+          <a:p>
+            <a:r>
+              <a:rPr lang="en-US" altLang="zh-CN" dirty="0"/>
+              <a:t>IrOH2</a:t>
+            </a:r>
+            <a:endParaRPr lang="zh-CN" altLang="en-US" dirty="0"/>
+          </a:p>
+        </p:txBody>
+      </p:sp>
+      <p:pic>
+        <p:nvPicPr>
+          <p:cNvPr id="4" name="图片 3">
+            <a:extLst>
+              <a:ext uri="{FF2B5EF4-FFF2-40B4-BE49-F238E27FC236}">
+                <a16:creationId xmlns:a16="http://schemas.microsoft.com/office/drawing/2014/main" id="{B4456352-DC34-4A4D-BE5C-F61AD097A59E}"/>
+              </a:ext>
+            </a:extLst>
+          </p:cNvPr>
+          <p:cNvPicPr>
+            <a:picLocks noChangeAspect="1"/>
+          </p:cNvPicPr>
+          <p:nvPr/>
+        </p:nvPicPr>
+        <p:blipFill>
+          <a:blip r:embed="rId2"/>
+          <a:stretch>
+            <a:fillRect/>
+          </a:stretch>
+        </p:blipFill>
+        <p:spPr>
+          <a:xfrm>
+            <a:off x="1424844" y="1360363"/>
+            <a:ext cx="4930567" cy="3703641"/>
+          </a:xfrm>
+          <a:prstGeom prst="rect">
+            <a:avLst/>
+          </a:prstGeom>
+        </p:spPr>
+      </p:pic>
+    </p:spTree>
+    <p:extLst>
+      <p:ext uri="{BB962C8B-B14F-4D97-AF65-F5344CB8AC3E}">
+        <p14:creationId xmlns:p14="http://schemas.microsoft.com/office/powerpoint/2010/main" val="330111110"/>
+      </p:ext>
+    </p:extLst>
+  </p:cSld>
+  <p:clrMapOvr>
+    <a:masterClrMapping/>
+  </p:clrMapOvr>
+</p:sld>
+</file>
+
 <file path=ppt/slides/slide2.xml><?xml version="1.0" encoding="utf-8"?>
 <p:sld xmlns:a="http://schemas.openxmlformats.org/drawingml/2006/main" xmlns:r="http://schemas.openxmlformats.org/officeDocument/2006/relationships" xmlns:p="http://schemas.openxmlformats.org/presentationml/2006/main">
   <p:cSld>
